--- a/resources/classroom/Hashing.pptx
+++ b/resources/classroom/Hashing.pptx
@@ -14,8 +14,11 @@
     <p:sldId id="263" r:id="rId8"/>
     <p:sldId id="266" r:id="rId9"/>
     <p:sldId id="262" r:id="rId10"/>
-    <p:sldId id="265" r:id="rId11"/>
-    <p:sldId id="264" r:id="rId12"/>
+    <p:sldId id="264" r:id="rId11"/>
+    <p:sldId id="267" r:id="rId12"/>
+    <p:sldId id="269" r:id="rId13"/>
+    <p:sldId id="265" r:id="rId14"/>
+    <p:sldId id="268" r:id="rId15"/>
   </p:sldIdLst>
   <p:sldSz cx="12192000" cy="6858000"/>
   <p:notesSz cx="6858000" cy="9144000"/>
@@ -114,6 +117,11 @@
       </a:defRPr>
     </a:lvl9pPr>
   </p:defaultTextStyle>
+  <p:extLst>
+    <p:ext uri="{EFAFB233-063F-42B5-8137-9DF3F51BA10A}">
+      <p15:sldGuideLst xmlns:p15="http://schemas.microsoft.com/office/powerpoint/2012/main"/>
+    </p:ext>
+  </p:extLst>
 </p:presentation>
 </file>
 
@@ -412,7 +420,7 @@
           <a:p>
             <a:fld id="{9E15B88D-6EDA-4434-B0C5-870C646FB484}" type="datetimeFigureOut">
               <a:rPr lang="en-GB" smtClean="0"/>
-              <a:t>31/03/2022</a:t>
+              <a:t>08/04/2022</a:t>
             </a:fld>
             <a:endParaRPr lang="en-GB"/>
           </a:p>
@@ -612,7 +620,7 @@
           <a:p>
             <a:fld id="{9E15B88D-6EDA-4434-B0C5-870C646FB484}" type="datetimeFigureOut">
               <a:rPr lang="en-GB" smtClean="0"/>
-              <a:t>31/03/2022</a:t>
+              <a:t>08/04/2022</a:t>
             </a:fld>
             <a:endParaRPr lang="en-GB"/>
           </a:p>
@@ -822,7 +830,7 @@
           <a:p>
             <a:fld id="{9E15B88D-6EDA-4434-B0C5-870C646FB484}" type="datetimeFigureOut">
               <a:rPr lang="en-GB" smtClean="0"/>
-              <a:t>31/03/2022</a:t>
+              <a:t>08/04/2022</a:t>
             </a:fld>
             <a:endParaRPr lang="en-GB"/>
           </a:p>
@@ -1022,7 +1030,7 @@
           <a:p>
             <a:fld id="{9E15B88D-6EDA-4434-B0C5-870C646FB484}" type="datetimeFigureOut">
               <a:rPr lang="en-GB" smtClean="0"/>
-              <a:t>31/03/2022</a:t>
+              <a:t>08/04/2022</a:t>
             </a:fld>
             <a:endParaRPr lang="en-GB"/>
           </a:p>
@@ -1298,7 +1306,7 @@
           <a:p>
             <a:fld id="{9E15B88D-6EDA-4434-B0C5-870C646FB484}" type="datetimeFigureOut">
               <a:rPr lang="en-GB" smtClean="0"/>
-              <a:t>31/03/2022</a:t>
+              <a:t>08/04/2022</a:t>
             </a:fld>
             <a:endParaRPr lang="en-GB"/>
           </a:p>
@@ -1566,7 +1574,7 @@
           <a:p>
             <a:fld id="{9E15B88D-6EDA-4434-B0C5-870C646FB484}" type="datetimeFigureOut">
               <a:rPr lang="en-GB" smtClean="0"/>
-              <a:t>31/03/2022</a:t>
+              <a:t>08/04/2022</a:t>
             </a:fld>
             <a:endParaRPr lang="en-GB"/>
           </a:p>
@@ -1981,7 +1989,7 @@
           <a:p>
             <a:fld id="{9E15B88D-6EDA-4434-B0C5-870C646FB484}" type="datetimeFigureOut">
               <a:rPr lang="en-GB" smtClean="0"/>
-              <a:t>31/03/2022</a:t>
+              <a:t>08/04/2022</a:t>
             </a:fld>
             <a:endParaRPr lang="en-GB"/>
           </a:p>
@@ -2123,7 +2131,7 @@
           <a:p>
             <a:fld id="{9E15B88D-6EDA-4434-B0C5-870C646FB484}" type="datetimeFigureOut">
               <a:rPr lang="en-GB" smtClean="0"/>
-              <a:t>31/03/2022</a:t>
+              <a:t>08/04/2022</a:t>
             </a:fld>
             <a:endParaRPr lang="en-GB"/>
           </a:p>
@@ -2236,7 +2244,7 @@
           <a:p>
             <a:fld id="{9E15B88D-6EDA-4434-B0C5-870C646FB484}" type="datetimeFigureOut">
               <a:rPr lang="en-GB" smtClean="0"/>
-              <a:t>31/03/2022</a:t>
+              <a:t>08/04/2022</a:t>
             </a:fld>
             <a:endParaRPr lang="en-GB"/>
           </a:p>
@@ -2549,7 +2557,7 @@
           <a:p>
             <a:fld id="{9E15B88D-6EDA-4434-B0C5-870C646FB484}" type="datetimeFigureOut">
               <a:rPr lang="en-GB" smtClean="0"/>
-              <a:t>31/03/2022</a:t>
+              <a:t>08/04/2022</a:t>
             </a:fld>
             <a:endParaRPr lang="en-GB"/>
           </a:p>
@@ -2838,7 +2846,7 @@
           <a:p>
             <a:fld id="{9E15B88D-6EDA-4434-B0C5-870C646FB484}" type="datetimeFigureOut">
               <a:rPr lang="en-GB" smtClean="0"/>
-              <a:t>31/03/2022</a:t>
+              <a:t>08/04/2022</a:t>
             </a:fld>
             <a:endParaRPr lang="en-GB"/>
           </a:p>
@@ -3081,7 +3089,7 @@
           <a:p>
             <a:fld id="{9E15B88D-6EDA-4434-B0C5-870C646FB484}" type="datetimeFigureOut">
               <a:rPr lang="en-GB" smtClean="0"/>
-              <a:t>31/03/2022</a:t>
+              <a:t>08/04/2022</a:t>
             </a:fld>
             <a:endParaRPr lang="en-GB"/>
           </a:p>
@@ -3606,7 +3614,7 @@
           <p:cNvPr id="2" name="Title 1">
             <a:extLst>
               <a:ext uri="{FF2B5EF4-FFF2-40B4-BE49-F238E27FC236}">
-                <a16:creationId xmlns:a16="http://schemas.microsoft.com/office/drawing/2014/main" id="{39082998-3954-4222-9A2C-F8DF88E7844C}"/>
+                <a16:creationId xmlns:a16="http://schemas.microsoft.com/office/drawing/2014/main" id="{354303CF-630D-4DD3-B621-9DD8EC262A8E}"/>
               </a:ext>
             </a:extLst>
           </p:cNvPr>
@@ -3623,64 +3631,379 @@
           <a:lstStyle/>
           <a:p>
             <a:r>
+              <a:rPr lang="nb-NO" dirty="0"/>
+              <a:t>Kollisjonshåndtering 2: «Open </a:t>
+            </a:r>
+            <a:r>
               <a:rPr lang="nb-NO" dirty="0" err="1"/>
-              <a:t>Load</a:t>
+              <a:t>addressing</a:t>
             </a:r>
             <a:r>
               <a:rPr lang="nb-NO" dirty="0"/>
-              <a:t> </a:t>
-            </a:r>
-            <a:r>
-              <a:rPr lang="nb-NO" dirty="0" err="1"/>
-              <a:t>factor</a:t>
+              <a:t>»</a:t>
             </a:r>
             <a:endParaRPr lang="en-GB" dirty="0"/>
           </a:p>
         </p:txBody>
       </p:sp>
-      <p:sp>
-        <p:nvSpPr>
-          <p:cNvPr id="3" name="Content Placeholder 2">
+      <mc:AlternateContent xmlns:mc="http://schemas.openxmlformats.org/markup-compatibility/2006" xmlns:a14="http://schemas.microsoft.com/office/drawing/2010/main">
+        <mc:Choice Requires="a14">
+          <p:sp>
+            <p:nvSpPr>
+              <p:cNvPr id="3" name="Content Placeholder 2">
+                <a:extLst>
+                  <a:ext uri="{FF2B5EF4-FFF2-40B4-BE49-F238E27FC236}">
+                    <a16:creationId xmlns:a16="http://schemas.microsoft.com/office/drawing/2014/main" id="{6B899A5C-4EDF-4370-B298-D714170D6DFB}"/>
+                  </a:ext>
+                </a:extLst>
+              </p:cNvPr>
+              <p:cNvSpPr>
+                <a:spLocks noGrp="1"/>
+              </p:cNvSpPr>
+              <p:nvPr>
+                <p:ph idx="1"/>
+              </p:nvPr>
+            </p:nvSpPr>
+            <p:spPr>
+              <a:xfrm>
+                <a:off x="230616" y="1690688"/>
+                <a:ext cx="4454118" cy="4618676"/>
+              </a:xfrm>
+            </p:spPr>
+            <p:txBody>
+              <a:bodyPr>
+                <a:normAutofit fontScale="85000" lnSpcReduction="20000"/>
+              </a:bodyPr>
+              <a:lstStyle/>
+              <a:p>
+                <a:r>
+                  <a:rPr lang="nb-NO" dirty="0"/>
+                  <a:t>Istedenfor å operere med en ekstra liste i hvert innslag gjør vi et hopp framover for å se etter ledig plass</a:t>
+                </a:r>
+              </a:p>
+              <a:p>
+                <a:pPr marL="514350" indent="-514350">
+                  <a:buFont typeface="+mj-lt"/>
+                  <a:buAutoNum type="arabicPeriod"/>
+                </a:pPr>
+                <a:r>
+                  <a:rPr lang="nb-NO" dirty="0" err="1"/>
+                  <a:t>Initielt</a:t>
+                </a:r>
+                <a:r>
+                  <a:rPr lang="nb-NO" dirty="0"/>
+                  <a:t> forslag til </a:t>
+                </a:r>
+                <a:r>
+                  <a:rPr lang="nb-NO" dirty="0" err="1"/>
+                  <a:t>index</a:t>
+                </a:r>
+                <a:r>
+                  <a:rPr lang="nb-NO" dirty="0"/>
+                  <a:t>: H(k)</a:t>
+                </a:r>
+              </a:p>
+              <a:p>
+                <a:pPr marL="514350" indent="-514350">
+                  <a:buFont typeface="+mj-lt"/>
+                  <a:buAutoNum type="arabicPeriod"/>
+                </a:pPr>
+                <a:r>
+                  <a:rPr lang="nb-NO" dirty="0"/>
+                  <a:t>Vi starter med en </a:t>
+                </a:r>
+                <a14:m>
+                  <m:oMath xmlns:m="http://schemas.openxmlformats.org/officeDocument/2006/math">
+                    <m:r>
+                      <a:rPr lang="nb-NO" i="1" dirty="0">
+                        <a:latin typeface="Cambria Math" panose="02040503050406030204" pitchFamily="18" charset="0"/>
+                      </a:rPr>
+                      <m:t>𝑥</m:t>
+                    </m:r>
+                    <m:r>
+                      <a:rPr lang="nb-NO" b="0" i="1" dirty="0" smtClean="0">
+                        <a:latin typeface="Cambria Math" panose="02040503050406030204" pitchFamily="18" charset="0"/>
+                      </a:rPr>
+                      <m:t>=1</m:t>
+                    </m:r>
+                  </m:oMath>
+                </a14:m>
+                <a:endParaRPr lang="nb-NO" dirty="0"/>
+              </a:p>
+              <a:p>
+                <a:pPr marL="514350" indent="-514350">
+                  <a:buFont typeface="+mj-lt"/>
+                  <a:buAutoNum type="arabicPeriod"/>
+                </a:pPr>
+                <a:r>
+                  <a:rPr lang="nb-NO" dirty="0"/>
+                  <a:t>Vi «prober» etter en ledig plass med </a:t>
+                </a:r>
+                <a:r>
+                  <a:rPr lang="nb-NO" dirty="0" err="1"/>
+                  <a:t>index</a:t>
+                </a:r>
+                <a:r>
+                  <a:rPr lang="nb-NO" dirty="0"/>
+                  <a:t> i</a:t>
+                </a:r>
+                <a:endParaRPr lang="nb-NO" b="0" i="1" dirty="0">
+                  <a:latin typeface="Cambria Math" panose="02040503050406030204" pitchFamily="18" charset="0"/>
+                </a:endParaRPr>
+              </a:p>
+              <a:p>
+                <a:pPr marL="457200" lvl="1" indent="0">
+                  <a:buNone/>
+                </a:pPr>
+                <a14:m>
+                  <m:oMath xmlns:m="http://schemas.openxmlformats.org/officeDocument/2006/math">
+                    <m:r>
+                      <a:rPr lang="nb-NO" b="0" i="1" dirty="0" smtClean="0">
+                        <a:latin typeface="Cambria Math" panose="02040503050406030204" pitchFamily="18" charset="0"/>
+                      </a:rPr>
+                      <m:t>𝑖</m:t>
+                    </m:r>
+                    <m:r>
+                      <a:rPr lang="nb-NO" b="0" i="1" dirty="0" smtClean="0">
+                        <a:latin typeface="Cambria Math" panose="02040503050406030204" pitchFamily="18" charset="0"/>
+                      </a:rPr>
+                      <m:t>=</m:t>
+                    </m:r>
+                    <m:d>
+                      <m:dPr>
+                        <m:ctrlPr>
+                          <a:rPr lang="nb-NO" b="0" i="1" dirty="0" smtClean="0">
+                            <a:latin typeface="Cambria Math" panose="02040503050406030204" pitchFamily="18" charset="0"/>
+                          </a:rPr>
+                        </m:ctrlPr>
+                      </m:dPr>
+                      <m:e>
+                        <m:r>
+                          <a:rPr lang="nb-NO" b="0" i="1" dirty="0" smtClean="0">
+                            <a:latin typeface="Cambria Math" panose="02040503050406030204" pitchFamily="18" charset="0"/>
+                          </a:rPr>
+                          <m:t>𝐻</m:t>
+                        </m:r>
+                        <m:d>
+                          <m:dPr>
+                            <m:ctrlPr>
+                              <a:rPr lang="nb-NO" b="0" i="1" dirty="0" smtClean="0">
+                                <a:latin typeface="Cambria Math" panose="02040503050406030204" pitchFamily="18" charset="0"/>
+                              </a:rPr>
+                            </m:ctrlPr>
+                          </m:dPr>
+                          <m:e>
+                            <m:r>
+                              <a:rPr lang="nb-NO" b="0" i="1" dirty="0" smtClean="0">
+                                <a:latin typeface="Cambria Math" panose="02040503050406030204" pitchFamily="18" charset="0"/>
+                              </a:rPr>
+                              <m:t>𝑘</m:t>
+                            </m:r>
+                          </m:e>
+                        </m:d>
+                        <m:r>
+                          <a:rPr lang="nb-NO" b="0" i="1" dirty="0" smtClean="0">
+                            <a:latin typeface="Cambria Math" panose="02040503050406030204" pitchFamily="18" charset="0"/>
+                          </a:rPr>
+                          <m:t>+</m:t>
+                        </m:r>
+                        <m:r>
+                          <a:rPr lang="nb-NO" b="0" i="1" dirty="0" smtClean="0">
+                            <a:latin typeface="Cambria Math" panose="02040503050406030204" pitchFamily="18" charset="0"/>
+                          </a:rPr>
+                          <m:t>𝑃</m:t>
+                        </m:r>
+                        <m:d>
+                          <m:dPr>
+                            <m:ctrlPr>
+                              <a:rPr lang="nb-NO" b="0" i="1" dirty="0" smtClean="0">
+                                <a:latin typeface="Cambria Math" panose="02040503050406030204" pitchFamily="18" charset="0"/>
+                              </a:rPr>
+                            </m:ctrlPr>
+                          </m:dPr>
+                          <m:e>
+                            <m:r>
+                              <a:rPr lang="nb-NO" b="0" i="1" dirty="0" smtClean="0">
+                                <a:latin typeface="Cambria Math" panose="02040503050406030204" pitchFamily="18" charset="0"/>
+                              </a:rPr>
+                              <m:t>𝑥</m:t>
+                            </m:r>
+                          </m:e>
+                        </m:d>
+                        <m:r>
+                          <a:rPr lang="nb-NO" b="0" i="1" dirty="0" smtClean="0">
+                            <a:latin typeface="Cambria Math" panose="02040503050406030204" pitchFamily="18" charset="0"/>
+                          </a:rPr>
+                          <m:t> </m:t>
+                        </m:r>
+                      </m:e>
+                    </m:d>
+                    <m:r>
+                      <a:rPr lang="nb-NO" b="0" i="1" dirty="0" smtClean="0">
+                        <a:latin typeface="Cambria Math" panose="02040503050406030204" pitchFamily="18" charset="0"/>
+                      </a:rPr>
+                      <m:t> % </m:t>
+                    </m:r>
+                    <m:r>
+                      <a:rPr lang="nb-NO" b="0" i="1" dirty="0" smtClean="0">
+                        <a:latin typeface="Cambria Math" panose="02040503050406030204" pitchFamily="18" charset="0"/>
+                      </a:rPr>
+                      <m:t>𝑁</m:t>
+                    </m:r>
+                  </m:oMath>
+                </a14:m>
+                <a:r>
+                  <a:rPr lang="nb-NO" dirty="0"/>
+                  <a:t> </a:t>
+                </a:r>
+              </a:p>
+              <a:p>
+                <a:r>
+                  <a:rPr lang="nb-NO" dirty="0"/>
+                  <a:t>Opptatt? Inkrementer til </a:t>
+                </a:r>
+                <a14:m>
+                  <m:oMath xmlns:m="http://schemas.openxmlformats.org/officeDocument/2006/math">
+                    <m:r>
+                      <a:rPr lang="nb-NO" i="1" dirty="0" smtClean="0">
+                        <a:latin typeface="Cambria Math" panose="02040503050406030204" pitchFamily="18" charset="0"/>
+                      </a:rPr>
+                      <m:t>𝑥</m:t>
+                    </m:r>
+                    <m:r>
+                      <a:rPr lang="nb-NO" i="1" dirty="0" smtClean="0">
+                        <a:latin typeface="Cambria Math" panose="02040503050406030204" pitchFamily="18" charset="0"/>
+                      </a:rPr>
+                      <m:t>=2</m:t>
+                    </m:r>
+                  </m:oMath>
+                </a14:m>
+                <a:endParaRPr lang="nb-NO" dirty="0"/>
+              </a:p>
+              <a:p>
+                <a:pPr lvl="1"/>
+                <a:r>
+                  <a:rPr lang="nb-NO" dirty="0"/>
+                  <a:t>Kjør samme formel på nytt</a:t>
+                </a:r>
+              </a:p>
+              <a:p>
+                <a:pPr lvl="1"/>
+                <a:r>
+                  <a:rPr lang="nb-NO" dirty="0"/>
+                  <a:t>Kan beholde verdi på H(k) </a:t>
+                </a:r>
+              </a:p>
+              <a:p>
+                <a:r>
+                  <a:rPr lang="nb-NO" dirty="0"/>
+                  <a:t>Osv. Dvs. inkrementer argument til </a:t>
+                </a:r>
+                <a14:m>
+                  <m:oMath xmlns:m="http://schemas.openxmlformats.org/officeDocument/2006/math">
+                    <m:r>
+                      <a:rPr lang="nb-NO" i="1" dirty="0" smtClean="0">
+                        <a:latin typeface="Cambria Math" panose="02040503050406030204" pitchFamily="18" charset="0"/>
+                      </a:rPr>
+                      <m:t>𝑃</m:t>
+                    </m:r>
+                    <m:r>
+                      <a:rPr lang="nb-NO" i="1" dirty="0" smtClean="0">
+                        <a:latin typeface="Cambria Math" panose="02040503050406030204" pitchFamily="18" charset="0"/>
+                      </a:rPr>
+                      <m:t>()</m:t>
+                    </m:r>
+                  </m:oMath>
+                </a14:m>
+                <a:r>
+                  <a:rPr lang="nb-NO" dirty="0"/>
+                  <a:t> med 1 hver gang.</a:t>
+                </a:r>
+              </a:p>
+              <a:p>
+                <a:endParaRPr lang="nb-NO" dirty="0"/>
+              </a:p>
+            </p:txBody>
+          </p:sp>
+        </mc:Choice>
+        <mc:Fallback xmlns="">
+          <p:sp>
+            <p:nvSpPr>
+              <p:cNvPr id="3" name="Content Placeholder 2">
+                <a:extLst>
+                  <a:ext uri="{FF2B5EF4-FFF2-40B4-BE49-F238E27FC236}">
+                    <a16:creationId xmlns:a16="http://schemas.microsoft.com/office/drawing/2014/main" id="{6B899A5C-4EDF-4370-B298-D714170D6DFB}"/>
+                  </a:ext>
+                </a:extLst>
+              </p:cNvPr>
+              <p:cNvSpPr>
+                <a:spLocks noGrp="1" noRot="1" noChangeAspect="1" noMove="1" noResize="1" noEditPoints="1" noAdjustHandles="1" noChangeArrowheads="1" noChangeShapeType="1" noTextEdit="1"/>
+              </p:cNvSpPr>
+              <p:nvPr>
+                <p:ph idx="1"/>
+              </p:nvPr>
+            </p:nvSpPr>
+            <p:spPr>
+              <a:xfrm>
+                <a:off x="230616" y="1690688"/>
+                <a:ext cx="4454118" cy="4618676"/>
+              </a:xfrm>
+              <a:blipFill>
+                <a:blip r:embed="rId2"/>
+                <a:stretch>
+                  <a:fillRect l="-2192" t="-3034" r="-2055"/>
+                </a:stretch>
+              </a:blipFill>
+            </p:spPr>
+            <p:txBody>
+              <a:bodyPr/>
+              <a:lstStyle/>
+              <a:p>
+                <a:r>
+                  <a:rPr lang="en-GB">
+                    <a:noFill/>
+                  </a:rPr>
+                  <a:t> </a:t>
+                </a:r>
+              </a:p>
+            </p:txBody>
+          </p:sp>
+        </mc:Fallback>
+      </mc:AlternateContent>
+      <p:pic>
+        <p:nvPicPr>
+          <p:cNvPr id="5" name="Picture 4">
             <a:extLst>
               <a:ext uri="{FF2B5EF4-FFF2-40B4-BE49-F238E27FC236}">
-                <a16:creationId xmlns:a16="http://schemas.microsoft.com/office/drawing/2014/main" id="{88F95294-77FB-49FD-9AA9-B42F36ABFE41}"/>
+                <a16:creationId xmlns:a16="http://schemas.microsoft.com/office/drawing/2014/main" id="{3B9DEE31-B09C-4EC8-95F0-039856E250B5}"/>
               </a:ext>
             </a:extLst>
           </p:cNvPr>
-          <p:cNvSpPr>
-            <a:spLocks noGrp="1"/>
-          </p:cNvSpPr>
-          <p:nvPr>
-            <p:ph idx="1"/>
-          </p:nvPr>
-        </p:nvSpPr>
-        <p:spPr/>
-        <p:txBody>
-          <a:bodyPr/>
-          <a:lstStyle/>
-          <a:p>
-            <a:r>
-              <a:rPr lang="nb-NO" dirty="0" err="1"/>
-              <a:t>Initielt</a:t>
-            </a:r>
-            <a:r>
-              <a:rPr lang="nb-NO" dirty="0"/>
-              <a:t> allokeres det en viss størrelse på intern liste</a:t>
-            </a:r>
-          </a:p>
-          <a:p>
-            <a:r>
-              <a:rPr lang="nb-NO" dirty="0"/>
-              <a:t>Når antall innslag når et visst nivå, begynner det å bli mange kollisjoner</a:t>
-            </a:r>
-            <a:endParaRPr lang="en-GB" dirty="0"/>
-          </a:p>
-        </p:txBody>
-      </p:sp>
+          <p:cNvPicPr>
+            <a:picLocks noChangeAspect="1"/>
+          </p:cNvPicPr>
+          <p:nvPr/>
+        </p:nvPicPr>
+        <p:blipFill>
+          <a:blip r:embed="rId3"/>
+          <a:stretch>
+            <a:fillRect/>
+          </a:stretch>
+        </p:blipFill>
+        <p:spPr>
+          <a:xfrm>
+            <a:off x="5099715" y="1981272"/>
+            <a:ext cx="6861669" cy="4037507"/>
+          </a:xfrm>
+          <a:prstGeom prst="rect">
+            <a:avLst/>
+          </a:prstGeom>
+        </p:spPr>
+      </p:pic>
     </p:spTree>
     <p:extLst>
       <p:ext uri="{BB962C8B-B14F-4D97-AF65-F5344CB8AC3E}">
-        <p14:creationId xmlns:p14="http://schemas.microsoft.com/office/powerpoint/2010/main" val="2590693636"/>
+        <p14:creationId xmlns:p14="http://schemas.microsoft.com/office/powerpoint/2010/main" val="2956348666"/>
       </p:ext>
     </p:extLst>
   </p:cSld>
@@ -3712,7 +4035,7 @@
           <p:cNvPr id="2" name="Title 1">
             <a:extLst>
               <a:ext uri="{FF2B5EF4-FFF2-40B4-BE49-F238E27FC236}">
-                <a16:creationId xmlns:a16="http://schemas.microsoft.com/office/drawing/2014/main" id="{354303CF-630D-4DD3-B621-9DD8EC262A8E}"/>
+                <a16:creationId xmlns:a16="http://schemas.microsoft.com/office/drawing/2014/main" id="{C7DD8F5D-D6B2-4386-AC40-823327E996F7}"/>
               </a:ext>
             </a:extLst>
           </p:cNvPr>
@@ -3729,18 +4052,574 @@
           <a:lstStyle/>
           <a:p>
             <a:r>
-              <a:rPr lang="nb-NO" dirty="0"/>
-              <a:t>Kollisjonshåndtering 2: «Open </a:t>
-            </a:r>
-            <a:r>
-              <a:rPr lang="nb-NO" dirty="0" err="1"/>
-              <a:t>addressing</a:t>
-            </a:r>
-            <a:r>
-              <a:rPr lang="nb-NO" dirty="0"/>
-              <a:t>»</a:t>
-            </a:r>
-            <a:endParaRPr lang="en-GB" dirty="0"/>
+              <a:rPr lang="en-GB" dirty="0" err="1"/>
+              <a:t>Lineær</a:t>
+            </a:r>
+            <a:r>
+              <a:rPr lang="en-GB" dirty="0"/>
+              <a:t> og </a:t>
+            </a:r>
+            <a:r>
+              <a:rPr lang="en-GB" dirty="0" err="1"/>
+              <a:t>kvadratisk</a:t>
+            </a:r>
+            <a:r>
+              <a:rPr lang="en-GB" dirty="0"/>
+              <a:t> probing</a:t>
+            </a:r>
+          </a:p>
+        </p:txBody>
+      </p:sp>
+      <mc:AlternateContent xmlns:mc="http://schemas.openxmlformats.org/markup-compatibility/2006" xmlns:a14="http://schemas.microsoft.com/office/drawing/2010/main">
+        <mc:Choice Requires="a14">
+          <p:sp>
+            <p:nvSpPr>
+              <p:cNvPr id="3" name="Content Placeholder 2">
+                <a:extLst>
+                  <a:ext uri="{FF2B5EF4-FFF2-40B4-BE49-F238E27FC236}">
+                    <a16:creationId xmlns:a16="http://schemas.microsoft.com/office/drawing/2014/main" id="{449E629C-E472-402A-837A-DB63873642BC}"/>
+                  </a:ext>
+                </a:extLst>
+              </p:cNvPr>
+              <p:cNvSpPr>
+                <a:spLocks noGrp="1"/>
+              </p:cNvSpPr>
+              <p:nvPr>
+                <p:ph idx="1"/>
+              </p:nvPr>
+            </p:nvSpPr>
+            <p:spPr>
+              <a:xfrm>
+                <a:off x="543911" y="1815115"/>
+                <a:ext cx="3565634" cy="4351338"/>
+              </a:xfrm>
+            </p:spPr>
+            <p:txBody>
+              <a:bodyPr>
+                <a:normAutofit fontScale="92500"/>
+              </a:bodyPr>
+              <a:lstStyle/>
+              <a:p>
+                <a:r>
+                  <a:rPr lang="en-GB" dirty="0"/>
+                  <a:t>Lineær: </a:t>
+                </a:r>
+                <a14:m>
+                  <m:oMath xmlns:m="http://schemas.openxmlformats.org/officeDocument/2006/math">
+                    <m:r>
+                      <a:rPr lang="en-GB" i="1" dirty="0" smtClean="0">
+                        <a:latin typeface="Cambria Math" panose="02040503050406030204" pitchFamily="18" charset="0"/>
+                      </a:rPr>
+                      <m:t>𝑃</m:t>
+                    </m:r>
+                    <m:r>
+                      <a:rPr lang="en-GB" i="1" dirty="0" smtClean="0">
+                        <a:latin typeface="Cambria Math" panose="02040503050406030204" pitchFamily="18" charset="0"/>
+                      </a:rPr>
+                      <m:t>(</m:t>
+                    </m:r>
+                    <m:r>
+                      <a:rPr lang="en-GB" i="1" dirty="0" smtClean="0">
+                        <a:latin typeface="Cambria Math" panose="02040503050406030204" pitchFamily="18" charset="0"/>
+                      </a:rPr>
+                      <m:t>𝑥</m:t>
+                    </m:r>
+                    <m:r>
+                      <a:rPr lang="en-GB" i="1" dirty="0" smtClean="0">
+                        <a:latin typeface="Cambria Math" panose="02040503050406030204" pitchFamily="18" charset="0"/>
+                      </a:rPr>
+                      <m:t>) = </m:t>
+                    </m:r>
+                    <m:r>
+                      <a:rPr lang="en-GB" i="1" dirty="0" err="1" smtClean="0">
+                        <a:latin typeface="Cambria Math" panose="02040503050406030204" pitchFamily="18" charset="0"/>
+                      </a:rPr>
+                      <m:t>𝑎𝑥</m:t>
+                    </m:r>
+                    <m:r>
+                      <a:rPr lang="en-GB" i="1" dirty="0" smtClean="0">
+                        <a:latin typeface="Cambria Math" panose="02040503050406030204" pitchFamily="18" charset="0"/>
+                      </a:rPr>
+                      <m:t> + </m:t>
+                    </m:r>
+                    <m:r>
+                      <a:rPr lang="en-GB" i="1" dirty="0" smtClean="0">
+                        <a:latin typeface="Cambria Math" panose="02040503050406030204" pitchFamily="18" charset="0"/>
+                      </a:rPr>
+                      <m:t>𝑏</m:t>
+                    </m:r>
+                    <m:r>
+                      <a:rPr lang="en-GB" i="1" dirty="0" smtClean="0">
+                        <a:latin typeface="Cambria Math" panose="02040503050406030204" pitchFamily="18" charset="0"/>
+                      </a:rPr>
+                      <m:t>.</m:t>
+                    </m:r>
+                  </m:oMath>
+                </a14:m>
+                <a:endParaRPr lang="en-GB" dirty="0"/>
+              </a:p>
+              <a:p>
+                <a:r>
+                  <a:rPr lang="en-GB" dirty="0"/>
+                  <a:t>I </a:t>
+                </a:r>
+                <a:r>
+                  <a:rPr lang="en-GB" dirty="0" err="1"/>
+                  <a:t>læreboka</a:t>
+                </a:r>
+                <a:r>
+                  <a:rPr lang="en-GB" dirty="0"/>
+                  <a:t> er </a:t>
+                </a:r>
+                <a:r>
+                  <a:rPr lang="en-GB" dirty="0" err="1"/>
+                  <a:t>lineær</a:t>
+                </a:r>
+                <a:r>
+                  <a:rPr lang="en-GB" dirty="0"/>
+                  <a:t> probing </a:t>
+                </a:r>
+                <a14:m>
+                  <m:oMath xmlns:m="http://schemas.openxmlformats.org/officeDocument/2006/math">
+                    <m:r>
+                      <a:rPr lang="en-GB" i="1" dirty="0" smtClean="0">
+                        <a:latin typeface="Cambria Math" panose="02040503050406030204" pitchFamily="18" charset="0"/>
+                      </a:rPr>
+                      <m:t>𝑃</m:t>
+                    </m:r>
+                    <m:r>
+                      <a:rPr lang="en-GB" i="1" dirty="0" smtClean="0">
+                        <a:latin typeface="Cambria Math" panose="02040503050406030204" pitchFamily="18" charset="0"/>
+                      </a:rPr>
+                      <m:t>(</m:t>
+                    </m:r>
+                    <m:r>
+                      <a:rPr lang="en-GB" i="1" dirty="0" smtClean="0">
+                        <a:latin typeface="Cambria Math" panose="02040503050406030204" pitchFamily="18" charset="0"/>
+                      </a:rPr>
+                      <m:t>𝑥</m:t>
+                    </m:r>
+                    <m:r>
+                      <a:rPr lang="en-GB" i="1" dirty="0" smtClean="0">
+                        <a:latin typeface="Cambria Math" panose="02040503050406030204" pitchFamily="18" charset="0"/>
+                      </a:rPr>
+                      <m:t>) = </m:t>
+                    </m:r>
+                    <m:r>
+                      <a:rPr lang="en-GB" i="1" dirty="0" err="1" smtClean="0">
+                        <a:latin typeface="Cambria Math" panose="02040503050406030204" pitchFamily="18" charset="0"/>
+                      </a:rPr>
+                      <m:t>𝑥</m:t>
+                    </m:r>
+                  </m:oMath>
+                </a14:m>
+                <a:endParaRPr lang="en-GB" dirty="0"/>
+              </a:p>
+              <a:p>
+                <a:r>
+                  <a:rPr lang="en-GB" dirty="0" err="1"/>
+                  <a:t>Kvadratisk</a:t>
+                </a:r>
+                <a:r>
+                  <a:rPr lang="en-GB" dirty="0"/>
+                  <a:t> probing </a:t>
+                </a:r>
+                <a14:m>
+                  <m:oMath xmlns:m="http://schemas.openxmlformats.org/officeDocument/2006/math">
+                    <m:sSup>
+                      <m:sSupPr>
+                        <m:ctrlPr>
+                          <a:rPr lang="pt-BR" i="1" smtClean="0">
+                            <a:latin typeface="Cambria Math" panose="02040503050406030204" pitchFamily="18" charset="0"/>
+                          </a:rPr>
+                        </m:ctrlPr>
+                      </m:sSupPr>
+                      <m:e>
+                        <m:r>
+                          <a:rPr lang="nb-NO" b="0" i="1" smtClean="0">
+                            <a:latin typeface="Cambria Math" panose="02040503050406030204" pitchFamily="18" charset="0"/>
+                          </a:rPr>
+                          <m:t>𝑃</m:t>
+                        </m:r>
+                        <m:d>
+                          <m:dPr>
+                            <m:ctrlPr>
+                              <a:rPr lang="nb-NO" b="0" i="1" smtClean="0">
+                                <a:latin typeface="Cambria Math" panose="02040503050406030204" pitchFamily="18" charset="0"/>
+                              </a:rPr>
+                            </m:ctrlPr>
+                          </m:dPr>
+                          <m:e>
+                            <m:r>
+                              <a:rPr lang="nb-NO" b="0" i="1" smtClean="0">
+                                <a:latin typeface="Cambria Math" panose="02040503050406030204" pitchFamily="18" charset="0"/>
+                              </a:rPr>
+                              <m:t>𝑥</m:t>
+                            </m:r>
+                          </m:e>
+                        </m:d>
+                        <m:r>
+                          <a:rPr lang="nb-NO" b="0" i="1" smtClean="0">
+                            <a:latin typeface="Cambria Math" panose="02040503050406030204" pitchFamily="18" charset="0"/>
+                          </a:rPr>
+                          <m:t>=</m:t>
+                        </m:r>
+                        <m:r>
+                          <a:rPr lang="nb-NO" b="0" i="1" smtClean="0">
+                            <a:latin typeface="Cambria Math" panose="02040503050406030204" pitchFamily="18" charset="0"/>
+                          </a:rPr>
+                          <m:t>𝑎𝑥</m:t>
+                        </m:r>
+                      </m:e>
+                      <m:sup>
+                        <m:r>
+                          <a:rPr lang="pt-BR" i="1" smtClean="0">
+                            <a:latin typeface="Cambria Math" panose="02040503050406030204" pitchFamily="18" charset="0"/>
+                          </a:rPr>
+                          <m:t>2</m:t>
+                        </m:r>
+                      </m:sup>
+                    </m:sSup>
+                    <m:r>
+                      <a:rPr lang="pt-BR" i="1" smtClean="0">
+                        <a:latin typeface="Cambria Math" panose="02040503050406030204" pitchFamily="18" charset="0"/>
+                      </a:rPr>
+                      <m:t>+</m:t>
+                    </m:r>
+                    <m:r>
+                      <a:rPr lang="nb-NO" b="0" i="1" smtClean="0">
+                        <a:latin typeface="Cambria Math" panose="02040503050406030204" pitchFamily="18" charset="0"/>
+                      </a:rPr>
+                      <m:t>𝑏𝑥</m:t>
+                    </m:r>
+                    <m:r>
+                      <a:rPr lang="nb-NO" b="0" i="1" smtClean="0">
+                        <a:latin typeface="Cambria Math" panose="02040503050406030204" pitchFamily="18" charset="0"/>
+                      </a:rPr>
+                      <m:t>+</m:t>
+                    </m:r>
+                    <m:r>
+                      <a:rPr lang="nb-NO" b="0" i="1" smtClean="0">
+                        <a:latin typeface="Cambria Math" panose="02040503050406030204" pitchFamily="18" charset="0"/>
+                      </a:rPr>
+                      <m:t>𝑐</m:t>
+                    </m:r>
+                  </m:oMath>
+                </a14:m>
+                <a:endParaRPr lang="nb-NO" b="0" dirty="0"/>
+              </a:p>
+              <a:p>
+                <a:r>
+                  <a:rPr lang="en-GB" dirty="0" err="1"/>
+                  <a:t>Sekundær</a:t>
+                </a:r>
+                <a:r>
+                  <a:rPr lang="en-GB" dirty="0"/>
+                  <a:t> hashing</a:t>
+                </a:r>
+              </a:p>
+              <a:p>
+                <a:pPr lvl="1"/>
+                <a14:m>
+                  <m:oMath xmlns:m="http://schemas.openxmlformats.org/officeDocument/2006/math">
+                    <m:sSup>
+                      <m:sSupPr>
+                        <m:ctrlPr>
+                          <a:rPr lang="pt-BR" i="1" smtClean="0">
+                            <a:latin typeface="Cambria Math" panose="02040503050406030204" pitchFamily="18" charset="0"/>
+                          </a:rPr>
+                        </m:ctrlPr>
+                      </m:sSupPr>
+                      <m:e>
+                        <m:r>
+                          <a:rPr lang="nb-NO" b="0" i="1" smtClean="0">
+                            <a:latin typeface="Cambria Math" panose="02040503050406030204" pitchFamily="18" charset="0"/>
+                          </a:rPr>
+                          <m:t>𝑃</m:t>
+                        </m:r>
+                        <m:d>
+                          <m:dPr>
+                            <m:ctrlPr>
+                              <a:rPr lang="nb-NO" b="0" i="1" smtClean="0">
+                                <a:latin typeface="Cambria Math" panose="02040503050406030204" pitchFamily="18" charset="0"/>
+                              </a:rPr>
+                            </m:ctrlPr>
+                          </m:dPr>
+                          <m:e>
+                            <m:r>
+                              <a:rPr lang="nb-NO" b="0" i="1" smtClean="0">
+                                <a:latin typeface="Cambria Math" panose="02040503050406030204" pitchFamily="18" charset="0"/>
+                              </a:rPr>
+                              <m:t>𝑘</m:t>
+                            </m:r>
+                            <m:r>
+                              <a:rPr lang="nb-NO" b="0" i="1" smtClean="0">
+                                <a:latin typeface="Cambria Math" panose="02040503050406030204" pitchFamily="18" charset="0"/>
+                              </a:rPr>
+                              <m:t>,</m:t>
+                            </m:r>
+                            <m:r>
+                              <a:rPr lang="nb-NO" b="0" i="1" smtClean="0">
+                                <a:latin typeface="Cambria Math" panose="02040503050406030204" pitchFamily="18" charset="0"/>
+                              </a:rPr>
+                              <m:t>𝑥</m:t>
+                            </m:r>
+                          </m:e>
+                        </m:d>
+                        <m:r>
+                          <a:rPr lang="nb-NO" b="0" i="1" smtClean="0">
+                            <a:latin typeface="Cambria Math" panose="02040503050406030204" pitchFamily="18" charset="0"/>
+                          </a:rPr>
+                          <m:t>=</m:t>
+                        </m:r>
+                        <m:sSub>
+                          <m:sSubPr>
+                            <m:ctrlPr>
+                              <a:rPr lang="nb-NO" b="0" i="1" smtClean="0">
+                                <a:latin typeface="Cambria Math" panose="02040503050406030204" pitchFamily="18" charset="0"/>
+                              </a:rPr>
+                            </m:ctrlPr>
+                          </m:sSubPr>
+                          <m:e>
+                            <m:r>
+                              <a:rPr lang="nb-NO" b="0" i="1" smtClean="0">
+                                <a:latin typeface="Cambria Math" panose="02040503050406030204" pitchFamily="18" charset="0"/>
+                              </a:rPr>
+                              <m:t>𝐻</m:t>
+                            </m:r>
+                          </m:e>
+                          <m:sub>
+                            <m:r>
+                              <a:rPr lang="nb-NO" b="0" i="1" smtClean="0">
+                                <a:latin typeface="Cambria Math" panose="02040503050406030204" pitchFamily="18" charset="0"/>
+                              </a:rPr>
+                              <m:t>2</m:t>
+                            </m:r>
+                          </m:sub>
+                        </m:sSub>
+                        <m:d>
+                          <m:dPr>
+                            <m:ctrlPr>
+                              <a:rPr lang="nb-NO" b="0" i="1" smtClean="0">
+                                <a:latin typeface="Cambria Math" panose="02040503050406030204" pitchFamily="18" charset="0"/>
+                              </a:rPr>
+                            </m:ctrlPr>
+                          </m:dPr>
+                          <m:e>
+                            <m:r>
+                              <a:rPr lang="nb-NO" b="0" i="1" smtClean="0">
+                                <a:latin typeface="Cambria Math" panose="02040503050406030204" pitchFamily="18" charset="0"/>
+                              </a:rPr>
+                              <m:t>𝑘</m:t>
+                            </m:r>
+                          </m:e>
+                        </m:d>
+                        <m:r>
+                          <a:rPr lang="nb-NO" b="0" i="1" smtClean="0">
+                            <a:latin typeface="Cambria Math" panose="02040503050406030204" pitchFamily="18" charset="0"/>
+                          </a:rPr>
+                          <m:t>∗</m:t>
+                        </m:r>
+                        <m:r>
+                          <a:rPr lang="nb-NO" b="0" i="1" smtClean="0">
+                            <a:latin typeface="Cambria Math" panose="02040503050406030204" pitchFamily="18" charset="0"/>
+                          </a:rPr>
+                          <m:t>𝑥</m:t>
+                        </m:r>
+                      </m:e>
+                      <m:sup/>
+                    </m:sSup>
+                  </m:oMath>
+                </a14:m>
+                <a:endParaRPr lang="en-GB" dirty="0"/>
+              </a:p>
+              <a:p>
+                <a:pPr lvl="1"/>
+                <a:r>
+                  <a:rPr lang="en-GB" dirty="0" err="1"/>
+                  <a:t>Egnet</a:t>
+                </a:r>
+                <a:r>
+                  <a:rPr lang="en-GB" dirty="0"/>
+                  <a:t> for å </a:t>
+                </a:r>
+                <a:r>
+                  <a:rPr lang="en-GB" dirty="0" err="1"/>
+                  <a:t>unngå</a:t>
+                </a:r>
+                <a:r>
+                  <a:rPr lang="en-GB" dirty="0"/>
+                  <a:t> “clustering” og </a:t>
+                </a:r>
+                <a:r>
+                  <a:rPr lang="en-GB" dirty="0" err="1"/>
+                  <a:t>syklisk</a:t>
+                </a:r>
+                <a:r>
+                  <a:rPr lang="en-GB" dirty="0"/>
+                  <a:t> probing</a:t>
+                </a:r>
+              </a:p>
+            </p:txBody>
+          </p:sp>
+        </mc:Choice>
+        <mc:Fallback xmlns="">
+          <p:sp>
+            <p:nvSpPr>
+              <p:cNvPr id="3" name="Content Placeholder 2">
+                <a:extLst>
+                  <a:ext uri="{FF2B5EF4-FFF2-40B4-BE49-F238E27FC236}">
+                    <a16:creationId xmlns:a16="http://schemas.microsoft.com/office/drawing/2014/main" id="{449E629C-E472-402A-837A-DB63873642BC}"/>
+                  </a:ext>
+                </a:extLst>
+              </p:cNvPr>
+              <p:cNvSpPr>
+                <a:spLocks noGrp="1" noRot="1" noChangeAspect="1" noMove="1" noResize="1" noEditPoints="1" noAdjustHandles="1" noChangeArrowheads="1" noChangeShapeType="1" noTextEdit="1"/>
+              </p:cNvSpPr>
+              <p:nvPr>
+                <p:ph idx="1"/>
+              </p:nvPr>
+            </p:nvSpPr>
+            <p:spPr>
+              <a:xfrm>
+                <a:off x="543911" y="1815115"/>
+                <a:ext cx="3565634" cy="4351338"/>
+              </a:xfrm>
+              <a:blipFill>
+                <a:blip r:embed="rId2"/>
+                <a:stretch>
+                  <a:fillRect l="-2564" t="-2101" b="-2241"/>
+                </a:stretch>
+              </a:blipFill>
+            </p:spPr>
+            <p:txBody>
+              <a:bodyPr/>
+              <a:lstStyle/>
+              <a:p>
+                <a:r>
+                  <a:rPr lang="en-GB">
+                    <a:noFill/>
+                  </a:rPr>
+                  <a:t> </a:t>
+                </a:r>
+              </a:p>
+            </p:txBody>
+          </p:sp>
+        </mc:Fallback>
+      </mc:AlternateContent>
+      <p:pic>
+        <p:nvPicPr>
+          <p:cNvPr id="5" name="Picture 4">
+            <a:extLst>
+              <a:ext uri="{FF2B5EF4-FFF2-40B4-BE49-F238E27FC236}">
+                <a16:creationId xmlns:a16="http://schemas.microsoft.com/office/drawing/2014/main" id="{45F0E0E3-3A79-47D3-9F75-D946A0C7C42D}"/>
+              </a:ext>
+            </a:extLst>
+          </p:cNvPr>
+          <p:cNvPicPr>
+            <a:picLocks noChangeAspect="1"/>
+          </p:cNvPicPr>
+          <p:nvPr/>
+        </p:nvPicPr>
+        <p:blipFill>
+          <a:blip r:embed="rId3"/>
+          <a:stretch>
+            <a:fillRect/>
+          </a:stretch>
+        </p:blipFill>
+        <p:spPr>
+          <a:xfrm>
+            <a:off x="4569835" y="2242702"/>
+            <a:ext cx="7487695" cy="3496163"/>
+          </a:xfrm>
+          <a:prstGeom prst="rect">
+            <a:avLst/>
+          </a:prstGeom>
+        </p:spPr>
+      </p:pic>
+    </p:spTree>
+    <p:extLst>
+      <p:ext uri="{BB962C8B-B14F-4D97-AF65-F5344CB8AC3E}">
+        <p14:creationId xmlns:p14="http://schemas.microsoft.com/office/powerpoint/2010/main" val="1998360730"/>
+      </p:ext>
+    </p:extLst>
+  </p:cSld>
+  <p:clrMapOvr>
+    <a:masterClrMapping/>
+  </p:clrMapOvr>
+</p:sld>
+</file>
+
+<file path=ppt/slides/slide12.xml><?xml version="1.0" encoding="utf-8"?>
+<p:sld xmlns:a="http://schemas.openxmlformats.org/drawingml/2006/main" xmlns:r="http://schemas.openxmlformats.org/officeDocument/2006/relationships" xmlns:p="http://schemas.openxmlformats.org/presentationml/2006/main">
+  <p:cSld>
+    <p:spTree>
+      <p:nvGrpSpPr>
+        <p:cNvPr id="1" name=""/>
+        <p:cNvGrpSpPr/>
+        <p:nvPr/>
+      </p:nvGrpSpPr>
+      <p:grpSpPr>
+        <a:xfrm>
+          <a:off x="0" y="0"/>
+          <a:ext cx="0" cy="0"/>
+          <a:chOff x="0" y="0"/>
+          <a:chExt cx="0" cy="0"/>
+        </a:xfrm>
+      </p:grpSpPr>
+      <p:sp>
+        <p:nvSpPr>
+          <p:cNvPr id="2" name="Title 1">
+            <a:extLst>
+              <a:ext uri="{FF2B5EF4-FFF2-40B4-BE49-F238E27FC236}">
+                <a16:creationId xmlns:a16="http://schemas.microsoft.com/office/drawing/2014/main" id="{F1AF0A68-C413-44F8-8631-5A193DB4D4EC}"/>
+              </a:ext>
+            </a:extLst>
+          </p:cNvPr>
+          <p:cNvSpPr>
+            <a:spLocks noGrp="1"/>
+          </p:cNvSpPr>
+          <p:nvPr>
+            <p:ph type="title"/>
+          </p:nvPr>
+        </p:nvSpPr>
+        <p:spPr/>
+        <p:txBody>
+          <a:bodyPr/>
+          <a:lstStyle/>
+          <a:p>
+            <a:r>
+              <a:rPr lang="en-GB" dirty="0" err="1"/>
+              <a:t>Sletting</a:t>
+            </a:r>
+            <a:r>
+              <a:rPr lang="en-GB" dirty="0"/>
+              <a:t> </a:t>
+            </a:r>
+            <a:r>
+              <a:rPr lang="en-GB" dirty="0" err="1"/>
+              <a:t>av</a:t>
+            </a:r>
+            <a:r>
+              <a:rPr lang="en-GB" dirty="0"/>
+              <a:t> </a:t>
+            </a:r>
+            <a:r>
+              <a:rPr lang="en-GB" dirty="0" err="1"/>
+              <a:t>innslag</a:t>
+            </a:r>
+            <a:r>
+              <a:rPr lang="en-GB" dirty="0"/>
+              <a:t> </a:t>
+            </a:r>
+            <a:r>
+              <a:rPr lang="en-GB" dirty="0" err="1"/>
+              <a:t>ved</a:t>
+            </a:r>
+            <a:r>
+              <a:rPr lang="en-GB" dirty="0"/>
+              <a:t> open addressing</a:t>
+            </a:r>
           </a:p>
         </p:txBody>
       </p:sp>
@@ -3749,7 +4628,1302 @@
           <p:cNvPr id="3" name="Content Placeholder 2">
             <a:extLst>
               <a:ext uri="{FF2B5EF4-FFF2-40B4-BE49-F238E27FC236}">
-                <a16:creationId xmlns:a16="http://schemas.microsoft.com/office/drawing/2014/main" id="{6B899A5C-4EDF-4370-B298-D714170D6DFB}"/>
+                <a16:creationId xmlns:a16="http://schemas.microsoft.com/office/drawing/2014/main" id="{F54AD47C-F25C-4CB0-9505-FDE22396575F}"/>
+              </a:ext>
+            </a:extLst>
+          </p:cNvPr>
+          <p:cNvSpPr>
+            <a:spLocks noGrp="1"/>
+          </p:cNvSpPr>
+          <p:nvPr>
+            <p:ph idx="1"/>
+          </p:nvPr>
+        </p:nvSpPr>
+        <p:spPr/>
+        <p:txBody>
+          <a:bodyPr>
+            <a:normAutofit fontScale="85000" lnSpcReduction="20000"/>
+          </a:bodyPr>
+          <a:lstStyle/>
+          <a:p>
+            <a:r>
+              <a:rPr lang="en-GB" dirty="0"/>
+              <a:t>Probing </a:t>
+            </a:r>
+            <a:r>
+              <a:rPr lang="en-GB" dirty="0" err="1"/>
+              <a:t>danner</a:t>
+            </a:r>
+            <a:r>
+              <a:rPr lang="en-GB" dirty="0"/>
+              <a:t> </a:t>
+            </a:r>
+            <a:r>
+              <a:rPr lang="en-GB" dirty="0" err="1"/>
+              <a:t>en</a:t>
+            </a:r>
+            <a:r>
+              <a:rPr lang="en-GB" dirty="0"/>
+              <a:t> </a:t>
+            </a:r>
+            <a:r>
+              <a:rPr lang="en-GB" dirty="0" err="1"/>
+              <a:t>sekvens</a:t>
+            </a:r>
+            <a:r>
+              <a:rPr lang="en-GB" dirty="0"/>
+              <a:t> </a:t>
+            </a:r>
+            <a:r>
+              <a:rPr lang="en-GB" dirty="0" err="1"/>
+              <a:t>gjennom</a:t>
+            </a:r>
+            <a:r>
+              <a:rPr lang="en-GB" dirty="0"/>
+              <a:t> mange </a:t>
+            </a:r>
+            <a:r>
+              <a:rPr lang="en-GB" dirty="0" err="1"/>
+              <a:t>elementer</a:t>
+            </a:r>
+            <a:r>
+              <a:rPr lang="en-GB" dirty="0"/>
+              <a:t> i </a:t>
+            </a:r>
+            <a:r>
+              <a:rPr lang="en-GB" dirty="0" err="1"/>
+              <a:t>tabellen</a:t>
+            </a:r>
+            <a:r>
+              <a:rPr lang="en-GB" dirty="0"/>
+              <a:t> for å </a:t>
+            </a:r>
+            <a:r>
+              <a:rPr lang="en-GB" dirty="0" err="1"/>
+              <a:t>finne</a:t>
+            </a:r>
+            <a:r>
+              <a:rPr lang="en-GB" dirty="0"/>
+              <a:t> </a:t>
+            </a:r>
+            <a:r>
+              <a:rPr lang="en-GB" dirty="0" err="1"/>
+              <a:t>ledig</a:t>
+            </a:r>
+            <a:r>
+              <a:rPr lang="en-GB" dirty="0"/>
+              <a:t> element å </a:t>
+            </a:r>
+            <a:r>
+              <a:rPr lang="en-GB" dirty="0" err="1"/>
+              <a:t>lagre</a:t>
+            </a:r>
+            <a:r>
+              <a:rPr lang="en-GB" dirty="0"/>
+              <a:t> i.</a:t>
+            </a:r>
+          </a:p>
+          <a:p>
+            <a:pPr lvl="1"/>
+            <a:r>
+              <a:rPr lang="en-GB" dirty="0" err="1"/>
+              <a:t>Implementeres</a:t>
+            </a:r>
+            <a:r>
+              <a:rPr lang="en-GB" dirty="0"/>
+              <a:t> </a:t>
+            </a:r>
+            <a:r>
+              <a:rPr lang="en-GB" dirty="0" err="1"/>
+              <a:t>gjennom</a:t>
+            </a:r>
+            <a:r>
+              <a:rPr lang="en-GB" dirty="0"/>
+              <a:t> </a:t>
+            </a:r>
+            <a:r>
+              <a:rPr lang="en-GB" dirty="0" err="1"/>
+              <a:t>egen</a:t>
+            </a:r>
+            <a:r>
+              <a:rPr lang="en-GB" dirty="0"/>
+              <a:t> </a:t>
+            </a:r>
+            <a:r>
+              <a:rPr lang="en-GB" dirty="0" err="1"/>
+              <a:t>funksjon</a:t>
+            </a:r>
+            <a:r>
+              <a:rPr lang="en-GB" dirty="0"/>
+              <a:t> P(</a:t>
+            </a:r>
+            <a:r>
+              <a:rPr lang="en-GB" dirty="0" err="1"/>
+              <a:t>x,k</a:t>
+            </a:r>
+            <a:r>
+              <a:rPr lang="en-GB" dirty="0"/>
+              <a:t>) </a:t>
+            </a:r>
+            <a:r>
+              <a:rPr lang="en-GB" dirty="0" err="1"/>
+              <a:t>som</a:t>
+            </a:r>
+            <a:r>
+              <a:rPr lang="en-GB" dirty="0"/>
+              <a:t> vi </a:t>
+            </a:r>
+            <a:r>
+              <a:rPr lang="en-GB" dirty="0" err="1"/>
+              <a:t>har</a:t>
+            </a:r>
+            <a:r>
+              <a:rPr lang="en-GB" dirty="0"/>
+              <a:t> sett</a:t>
+            </a:r>
+          </a:p>
+          <a:p>
+            <a:r>
+              <a:rPr lang="en-GB" dirty="0"/>
+              <a:t>Denne </a:t>
+            </a:r>
+            <a:r>
+              <a:rPr lang="en-GB" dirty="0" err="1"/>
+              <a:t>sekvensen</a:t>
+            </a:r>
+            <a:r>
+              <a:rPr lang="en-GB" dirty="0"/>
+              <a:t> </a:t>
+            </a:r>
+            <a:r>
+              <a:rPr lang="en-GB" dirty="0" err="1"/>
+              <a:t>vil</a:t>
+            </a:r>
+            <a:r>
+              <a:rPr lang="en-GB" dirty="0"/>
+              <a:t> man </a:t>
+            </a:r>
+            <a:r>
+              <a:rPr lang="en-GB" dirty="0" err="1"/>
+              <a:t>løpe</a:t>
+            </a:r>
+            <a:r>
+              <a:rPr lang="en-GB" dirty="0"/>
+              <a:t> </a:t>
+            </a:r>
+            <a:r>
+              <a:rPr lang="en-GB" dirty="0" err="1"/>
+              <a:t>gjennom</a:t>
+            </a:r>
+            <a:r>
+              <a:rPr lang="en-GB" dirty="0"/>
+              <a:t> </a:t>
+            </a:r>
+            <a:r>
+              <a:rPr lang="en-GB" dirty="0" err="1"/>
+              <a:t>når</a:t>
+            </a:r>
+            <a:r>
+              <a:rPr lang="en-GB" dirty="0"/>
+              <a:t> man </a:t>
+            </a:r>
+            <a:r>
+              <a:rPr lang="en-GB" dirty="0" err="1"/>
+              <a:t>skal</a:t>
+            </a:r>
+            <a:r>
+              <a:rPr lang="en-GB" dirty="0"/>
+              <a:t> </a:t>
+            </a:r>
+          </a:p>
+          <a:p>
+            <a:pPr lvl="1"/>
+            <a:r>
+              <a:rPr lang="en-GB" dirty="0" err="1"/>
+              <a:t>Finne</a:t>
+            </a:r>
+            <a:r>
+              <a:rPr lang="en-GB" dirty="0"/>
+              <a:t> et element med </a:t>
+            </a:r>
+            <a:r>
+              <a:rPr lang="en-GB" dirty="0" err="1"/>
+              <a:t>en</a:t>
+            </a:r>
+            <a:r>
+              <a:rPr lang="en-GB" dirty="0"/>
+              <a:t> </a:t>
+            </a:r>
+            <a:r>
+              <a:rPr lang="en-GB" dirty="0" err="1"/>
+              <a:t>viss</a:t>
+            </a:r>
+            <a:r>
+              <a:rPr lang="en-GB" dirty="0"/>
+              <a:t> key/</a:t>
+            </a:r>
+            <a:r>
+              <a:rPr lang="en-GB" dirty="0" err="1"/>
+              <a:t>nøkkel</a:t>
+            </a:r>
+            <a:endParaRPr lang="en-GB" dirty="0"/>
+          </a:p>
+          <a:p>
+            <a:pPr lvl="1"/>
+            <a:r>
+              <a:rPr lang="en-GB" dirty="0" err="1"/>
+              <a:t>Slette</a:t>
+            </a:r>
+            <a:r>
+              <a:rPr lang="en-GB" dirty="0"/>
+              <a:t> element med </a:t>
+            </a:r>
+            <a:r>
+              <a:rPr lang="en-GB" dirty="0" err="1"/>
+              <a:t>en</a:t>
+            </a:r>
+            <a:r>
+              <a:rPr lang="en-GB" dirty="0"/>
+              <a:t> </a:t>
+            </a:r>
+            <a:r>
+              <a:rPr lang="en-GB" dirty="0" err="1"/>
+              <a:t>viss</a:t>
+            </a:r>
+            <a:r>
+              <a:rPr lang="en-GB" dirty="0"/>
+              <a:t> </a:t>
+            </a:r>
+            <a:r>
+              <a:rPr lang="en-GB" dirty="0" err="1"/>
+              <a:t>nøkkel</a:t>
+            </a:r>
+            <a:endParaRPr lang="en-GB" dirty="0"/>
+          </a:p>
+          <a:p>
+            <a:r>
+              <a:rPr lang="en-GB" dirty="0"/>
+              <a:t>MEN: </a:t>
+            </a:r>
+            <a:r>
+              <a:rPr lang="en-GB" dirty="0" err="1"/>
+              <a:t>Når</a:t>
+            </a:r>
+            <a:r>
+              <a:rPr lang="en-GB" dirty="0"/>
+              <a:t> man </a:t>
+            </a:r>
+            <a:r>
+              <a:rPr lang="en-GB" dirty="0" err="1"/>
+              <a:t>sletter</a:t>
+            </a:r>
+            <a:r>
+              <a:rPr lang="en-GB" dirty="0"/>
+              <a:t>, </a:t>
+            </a:r>
+            <a:r>
+              <a:rPr lang="en-GB" dirty="0" err="1"/>
+              <a:t>kan</a:t>
+            </a:r>
+            <a:r>
+              <a:rPr lang="en-GB" dirty="0"/>
+              <a:t> det </a:t>
+            </a:r>
+            <a:r>
+              <a:rPr lang="en-GB" dirty="0" err="1"/>
+              <a:t>oppstå</a:t>
+            </a:r>
+            <a:r>
+              <a:rPr lang="en-GB" dirty="0"/>
+              <a:t> tom-rom </a:t>
+            </a:r>
+            <a:r>
+              <a:rPr lang="en-GB" dirty="0" err="1"/>
+              <a:t>midt</a:t>
+            </a:r>
+            <a:r>
+              <a:rPr lang="en-GB" dirty="0"/>
+              <a:t> i </a:t>
+            </a:r>
+            <a:r>
+              <a:rPr lang="en-GB" dirty="0" err="1"/>
+              <a:t>sekvensen</a:t>
+            </a:r>
+            <a:endParaRPr lang="en-GB" dirty="0"/>
+          </a:p>
+          <a:p>
+            <a:pPr lvl="1"/>
+            <a:r>
+              <a:rPr lang="en-GB" dirty="0"/>
+              <a:t>Man </a:t>
+            </a:r>
+            <a:r>
+              <a:rPr lang="en-GB" dirty="0" err="1"/>
+              <a:t>har</a:t>
+            </a:r>
+            <a:r>
+              <a:rPr lang="en-GB" dirty="0"/>
+              <a:t> </a:t>
+            </a:r>
+            <a:r>
+              <a:rPr lang="en-GB" dirty="0" err="1"/>
+              <a:t>gjerne</a:t>
+            </a:r>
+            <a:r>
+              <a:rPr lang="en-GB" dirty="0"/>
+              <a:t> et </a:t>
+            </a:r>
+            <a:r>
+              <a:rPr lang="en-GB" dirty="0" err="1"/>
+              <a:t>stopp-kriterie</a:t>
+            </a:r>
+            <a:r>
+              <a:rPr lang="en-GB" dirty="0"/>
+              <a:t> i </a:t>
+            </a:r>
+            <a:r>
+              <a:rPr lang="en-GB" dirty="0" err="1"/>
+              <a:t>søk</a:t>
+            </a:r>
+            <a:r>
+              <a:rPr lang="en-GB" dirty="0"/>
+              <a:t> </a:t>
+            </a:r>
+            <a:r>
+              <a:rPr lang="en-GB" dirty="0" err="1"/>
+              <a:t>når</a:t>
+            </a:r>
+            <a:r>
+              <a:rPr lang="en-GB" dirty="0"/>
+              <a:t> man </a:t>
+            </a:r>
+            <a:r>
+              <a:rPr lang="en-GB" dirty="0" err="1"/>
+              <a:t>støter</a:t>
+            </a:r>
+            <a:r>
+              <a:rPr lang="en-GB" dirty="0"/>
+              <a:t> </a:t>
+            </a:r>
+            <a:r>
+              <a:rPr lang="en-GB" dirty="0" err="1"/>
+              <a:t>på</a:t>
+            </a:r>
+            <a:r>
+              <a:rPr lang="en-GB" dirty="0"/>
+              <a:t> element </a:t>
+            </a:r>
+            <a:r>
+              <a:rPr lang="en-GB" dirty="0" err="1"/>
+              <a:t>som</a:t>
+            </a:r>
+            <a:r>
+              <a:rPr lang="en-GB" dirty="0"/>
+              <a:t> er None (ref. </a:t>
+            </a:r>
+            <a:r>
+              <a:rPr lang="en-GB" dirty="0" err="1"/>
+              <a:t>linket</a:t>
+            </a:r>
+            <a:r>
+              <a:rPr lang="en-GB" dirty="0"/>
+              <a:t> </a:t>
+            </a:r>
+            <a:r>
+              <a:rPr lang="en-GB" dirty="0" err="1"/>
+              <a:t>liste</a:t>
+            </a:r>
+            <a:r>
+              <a:rPr lang="en-GB" dirty="0"/>
+              <a:t>)</a:t>
+            </a:r>
+          </a:p>
+          <a:p>
+            <a:pPr lvl="1"/>
+            <a:r>
+              <a:rPr lang="en-GB" dirty="0"/>
+              <a:t>For å </a:t>
+            </a:r>
+            <a:r>
+              <a:rPr lang="en-GB" dirty="0" err="1"/>
+              <a:t>unngå</a:t>
+            </a:r>
+            <a:r>
+              <a:rPr lang="en-GB" dirty="0"/>
+              <a:t> at man stopper “</a:t>
+            </a:r>
+            <a:r>
+              <a:rPr lang="en-GB" dirty="0" err="1"/>
+              <a:t>midt</a:t>
+            </a:r>
+            <a:r>
+              <a:rPr lang="en-GB" dirty="0"/>
+              <a:t> i” </a:t>
+            </a:r>
+            <a:r>
+              <a:rPr lang="en-GB" dirty="0" err="1"/>
+              <a:t>en</a:t>
+            </a:r>
+            <a:r>
+              <a:rPr lang="en-GB" dirty="0"/>
+              <a:t> </a:t>
+            </a:r>
+            <a:r>
+              <a:rPr lang="en-GB" dirty="0" err="1"/>
+              <a:t>sekvens</a:t>
+            </a:r>
+            <a:r>
+              <a:rPr lang="en-GB" dirty="0"/>
+              <a:t>, </a:t>
+            </a:r>
+            <a:r>
+              <a:rPr lang="en-GB" dirty="0" err="1"/>
+              <a:t>må</a:t>
+            </a:r>
+            <a:r>
+              <a:rPr lang="en-GB" dirty="0"/>
+              <a:t> man ha et felt </a:t>
+            </a:r>
+            <a:r>
+              <a:rPr lang="en-GB" dirty="0" err="1"/>
+              <a:t>til</a:t>
+            </a:r>
+            <a:r>
+              <a:rPr lang="en-GB" dirty="0"/>
+              <a:t> i </a:t>
+            </a:r>
+            <a:r>
+              <a:rPr lang="en-GB" dirty="0" err="1"/>
+              <a:t>tabell-elementene</a:t>
+            </a:r>
+            <a:r>
+              <a:rPr lang="en-GB" dirty="0"/>
+              <a:t> </a:t>
+            </a:r>
+            <a:r>
+              <a:rPr lang="en-GB" dirty="0" err="1"/>
+              <a:t>som</a:t>
+            </a:r>
+            <a:r>
+              <a:rPr lang="en-GB" dirty="0"/>
+              <a:t> </a:t>
+            </a:r>
+            <a:r>
+              <a:rPr lang="en-GB" dirty="0" err="1"/>
+              <a:t>kan</a:t>
+            </a:r>
+            <a:r>
+              <a:rPr lang="en-GB" dirty="0"/>
+              <a:t> ha </a:t>
+            </a:r>
+            <a:r>
+              <a:rPr lang="en-GB" dirty="0" err="1"/>
+              <a:t>tre</a:t>
+            </a:r>
+            <a:r>
+              <a:rPr lang="en-GB" dirty="0"/>
+              <a:t> </a:t>
+            </a:r>
+            <a:r>
+              <a:rPr lang="en-GB" dirty="0" err="1"/>
+              <a:t>tilstander</a:t>
+            </a:r>
+            <a:endParaRPr lang="en-GB" dirty="0"/>
+          </a:p>
+          <a:p>
+            <a:pPr lvl="2"/>
+            <a:r>
+              <a:rPr lang="en-GB" dirty="0"/>
+              <a:t>Empty (None): </a:t>
+            </a:r>
+            <a:r>
+              <a:rPr lang="en-GB" dirty="0" err="1"/>
+              <a:t>tilsvarer</a:t>
+            </a:r>
+            <a:r>
+              <a:rPr lang="en-GB" dirty="0"/>
+              <a:t> at det er </a:t>
+            </a:r>
+            <a:r>
+              <a:rPr lang="en-GB" dirty="0" err="1"/>
+              <a:t>siste</a:t>
+            </a:r>
+            <a:r>
+              <a:rPr lang="en-GB" dirty="0"/>
+              <a:t> i </a:t>
+            </a:r>
+            <a:r>
+              <a:rPr lang="en-GB" dirty="0" err="1"/>
+              <a:t>sekvensen</a:t>
+            </a:r>
+            <a:endParaRPr lang="en-GB" dirty="0"/>
+          </a:p>
+          <a:p>
+            <a:pPr lvl="2"/>
+            <a:r>
+              <a:rPr lang="en-GB" dirty="0"/>
+              <a:t>Visited: </a:t>
+            </a:r>
+            <a:r>
+              <a:rPr lang="en-GB" dirty="0" err="1"/>
+              <a:t>tilsvarer</a:t>
+            </a:r>
+            <a:r>
+              <a:rPr lang="en-GB" dirty="0"/>
+              <a:t> at det er </a:t>
+            </a:r>
+            <a:r>
+              <a:rPr lang="en-GB" dirty="0" err="1"/>
+              <a:t>tomt</a:t>
+            </a:r>
+            <a:r>
+              <a:rPr lang="en-GB" dirty="0"/>
+              <a:t> og </a:t>
+            </a:r>
+            <a:r>
+              <a:rPr lang="en-GB" dirty="0" err="1"/>
+              <a:t>dermed</a:t>
+            </a:r>
+            <a:r>
+              <a:rPr lang="en-GB" dirty="0"/>
+              <a:t> </a:t>
+            </a:r>
+            <a:r>
+              <a:rPr lang="en-GB" dirty="0" err="1"/>
+              <a:t>ledig</a:t>
+            </a:r>
+            <a:r>
+              <a:rPr lang="en-GB" dirty="0"/>
+              <a:t>, men at det </a:t>
+            </a:r>
+            <a:r>
+              <a:rPr lang="en-GB" dirty="0" err="1"/>
+              <a:t>ikke</a:t>
+            </a:r>
+            <a:r>
+              <a:rPr lang="en-GB" dirty="0"/>
+              <a:t> er </a:t>
+            </a:r>
+            <a:r>
+              <a:rPr lang="en-GB" dirty="0" err="1"/>
+              <a:t>siste</a:t>
+            </a:r>
+            <a:r>
+              <a:rPr lang="en-GB" dirty="0"/>
+              <a:t> i </a:t>
+            </a:r>
+            <a:r>
+              <a:rPr lang="en-GB" dirty="0" err="1"/>
+              <a:t>sekvens</a:t>
+            </a:r>
+            <a:endParaRPr lang="en-GB" dirty="0"/>
+          </a:p>
+          <a:p>
+            <a:pPr lvl="2"/>
+            <a:r>
+              <a:rPr lang="en-GB" dirty="0"/>
+              <a:t>Filled: </a:t>
+            </a:r>
+            <a:r>
+              <a:rPr lang="en-GB" dirty="0" err="1"/>
+              <a:t>tilsvarer</a:t>
+            </a:r>
+            <a:r>
+              <a:rPr lang="en-GB" dirty="0"/>
+              <a:t> at det er et element der. </a:t>
+            </a:r>
+          </a:p>
+          <a:p>
+            <a:pPr lvl="1"/>
+            <a:r>
+              <a:rPr lang="en-GB" dirty="0" err="1"/>
+              <a:t>Så</a:t>
+            </a:r>
+            <a:r>
+              <a:rPr lang="en-GB" dirty="0"/>
+              <a:t> det </a:t>
+            </a:r>
+            <a:r>
+              <a:rPr lang="en-GB" dirty="0" err="1"/>
+              <a:t>blir</a:t>
+            </a:r>
+            <a:r>
+              <a:rPr lang="en-GB" dirty="0"/>
+              <a:t> </a:t>
+            </a:r>
+            <a:r>
+              <a:rPr lang="en-GB" dirty="0" err="1"/>
+              <a:t>litt</a:t>
+            </a:r>
+            <a:r>
+              <a:rPr lang="en-GB" dirty="0"/>
+              <a:t> </a:t>
+            </a:r>
+            <a:r>
+              <a:rPr lang="en-GB" dirty="0" err="1"/>
+              <a:t>logikk</a:t>
+            </a:r>
+            <a:r>
+              <a:rPr lang="en-GB" dirty="0"/>
+              <a:t> for å </a:t>
+            </a:r>
+            <a:r>
+              <a:rPr lang="en-GB" dirty="0" err="1"/>
+              <a:t>håndtere</a:t>
+            </a:r>
+            <a:r>
+              <a:rPr lang="en-GB" dirty="0"/>
+              <a:t> </a:t>
+            </a:r>
+            <a:r>
+              <a:rPr lang="en-GB" dirty="0" err="1"/>
+              <a:t>denne</a:t>
+            </a:r>
+            <a:r>
+              <a:rPr lang="en-GB" dirty="0"/>
+              <a:t> </a:t>
+            </a:r>
+            <a:r>
+              <a:rPr lang="en-GB" dirty="0" err="1"/>
+              <a:t>ekstra</a:t>
+            </a:r>
+            <a:r>
+              <a:rPr lang="en-GB" dirty="0"/>
+              <a:t> “state” </a:t>
+            </a:r>
+            <a:r>
+              <a:rPr lang="en-GB" dirty="0" err="1"/>
+              <a:t>variabelen</a:t>
+            </a:r>
+            <a:r>
+              <a:rPr lang="en-GB" dirty="0"/>
+              <a:t>…</a:t>
+            </a:r>
+          </a:p>
+        </p:txBody>
+      </p:sp>
+    </p:spTree>
+    <p:extLst>
+      <p:ext uri="{BB962C8B-B14F-4D97-AF65-F5344CB8AC3E}">
+        <p14:creationId xmlns:p14="http://schemas.microsoft.com/office/powerpoint/2010/main" val="3376260789"/>
+      </p:ext>
+    </p:extLst>
+  </p:cSld>
+  <p:clrMapOvr>
+    <a:masterClrMapping/>
+  </p:clrMapOvr>
+</p:sld>
+</file>
+
+<file path=ppt/slides/slide13.xml><?xml version="1.0" encoding="utf-8"?>
+<p:sld xmlns:a="http://schemas.openxmlformats.org/drawingml/2006/main" xmlns:r="http://schemas.openxmlformats.org/officeDocument/2006/relationships" xmlns:p="http://schemas.openxmlformats.org/presentationml/2006/main">
+  <p:cSld>
+    <p:spTree>
+      <p:nvGrpSpPr>
+        <p:cNvPr id="1" name=""/>
+        <p:cNvGrpSpPr/>
+        <p:nvPr/>
+      </p:nvGrpSpPr>
+      <p:grpSpPr>
+        <a:xfrm>
+          <a:off x="0" y="0"/>
+          <a:ext cx="0" cy="0"/>
+          <a:chOff x="0" y="0"/>
+          <a:chExt cx="0" cy="0"/>
+        </a:xfrm>
+      </p:grpSpPr>
+      <p:sp>
+        <p:nvSpPr>
+          <p:cNvPr id="2" name="Title 1">
+            <a:extLst>
+              <a:ext uri="{FF2B5EF4-FFF2-40B4-BE49-F238E27FC236}">
+                <a16:creationId xmlns:a16="http://schemas.microsoft.com/office/drawing/2014/main" id="{39082998-3954-4222-9A2C-F8DF88E7844C}"/>
+              </a:ext>
+            </a:extLst>
+          </p:cNvPr>
+          <p:cNvSpPr>
+            <a:spLocks noGrp="1"/>
+          </p:cNvSpPr>
+          <p:nvPr>
+            <p:ph type="title"/>
+          </p:nvPr>
+        </p:nvSpPr>
+        <p:spPr/>
+        <p:txBody>
+          <a:bodyPr/>
+          <a:lstStyle/>
+          <a:p>
+            <a:r>
+              <a:rPr lang="nb-NO" dirty="0" err="1"/>
+              <a:t>Load</a:t>
+            </a:r>
+            <a:r>
+              <a:rPr lang="nb-NO" dirty="0"/>
+              <a:t> </a:t>
+            </a:r>
+            <a:r>
+              <a:rPr lang="nb-NO" dirty="0" err="1"/>
+              <a:t>factor</a:t>
+            </a:r>
+            <a:endParaRPr lang="en-GB" dirty="0"/>
+          </a:p>
+        </p:txBody>
+      </p:sp>
+      <mc:AlternateContent xmlns:mc="http://schemas.openxmlformats.org/markup-compatibility/2006" xmlns:a14="http://schemas.microsoft.com/office/drawing/2010/main">
+        <mc:Choice Requires="a14">
+          <p:sp>
+            <p:nvSpPr>
+              <p:cNvPr id="3" name="Content Placeholder 2">
+                <a:extLst>
+                  <a:ext uri="{FF2B5EF4-FFF2-40B4-BE49-F238E27FC236}">
+                    <a16:creationId xmlns:a16="http://schemas.microsoft.com/office/drawing/2014/main" id="{88F95294-77FB-49FD-9AA9-B42F36ABFE41}"/>
+                  </a:ext>
+                </a:extLst>
+              </p:cNvPr>
+              <p:cNvSpPr>
+                <a:spLocks noGrp="1"/>
+              </p:cNvSpPr>
+              <p:nvPr>
+                <p:ph idx="1"/>
+              </p:nvPr>
+            </p:nvSpPr>
+            <p:spPr/>
+            <p:txBody>
+              <a:bodyPr>
+                <a:normAutofit fontScale="92500"/>
+              </a:bodyPr>
+              <a:lstStyle/>
+              <a:p>
+                <a:r>
+                  <a:rPr lang="nb-NO" dirty="0"/>
+                  <a:t>Initielt allokeres det en viss størrelse på intern liste</a:t>
+                </a:r>
+              </a:p>
+              <a:p>
+                <a:r>
+                  <a:rPr lang="nb-NO" dirty="0"/>
+                  <a:t>Når antall innslag når et visst nivå, begynner det å bli mange kollisjoner</a:t>
+                </a:r>
+                <a:endParaRPr lang="en-GB" dirty="0"/>
+              </a:p>
+              <a:p>
+                <a:pPr lvl="1"/>
+                <a:r>
+                  <a:rPr lang="en-GB" dirty="0" err="1"/>
+                  <a:t>Ikke</a:t>
+                </a:r>
+                <a:r>
+                  <a:rPr lang="en-GB" dirty="0"/>
+                  <a:t> </a:t>
+                </a:r>
+                <a:r>
+                  <a:rPr lang="en-GB" dirty="0" err="1"/>
+                  <a:t>ønskelig</a:t>
+                </a:r>
+                <a:r>
+                  <a:rPr lang="en-GB" dirty="0"/>
+                  <a:t> </a:t>
+                </a:r>
+                <a:r>
+                  <a:rPr lang="en-GB" dirty="0" err="1"/>
+                  <a:t>situasjon</a:t>
+                </a:r>
+                <a:r>
+                  <a:rPr lang="en-GB" dirty="0"/>
+                  <a:t>!</a:t>
+                </a:r>
+              </a:p>
+              <a:p>
+                <a:pPr lvl="1"/>
+                <a:r>
+                  <a:rPr lang="en-GB" dirty="0" err="1"/>
+                  <a:t>Størrelsen</a:t>
+                </a:r>
+                <a:r>
+                  <a:rPr lang="en-GB" dirty="0"/>
+                  <a:t> </a:t>
+                </a:r>
+                <a:r>
+                  <a:rPr lang="en-GB" dirty="0" err="1"/>
+                  <a:t>på</a:t>
+                </a:r>
+                <a:r>
+                  <a:rPr lang="en-GB" dirty="0"/>
+                  <a:t> </a:t>
+                </a:r>
+                <a:r>
+                  <a:rPr lang="en-GB" dirty="0" err="1"/>
+                  <a:t>bakenforliggende</a:t>
+                </a:r>
+                <a:r>
+                  <a:rPr lang="en-GB" dirty="0"/>
+                  <a:t> </a:t>
+                </a:r>
+                <a:r>
+                  <a:rPr lang="en-GB" dirty="0" err="1"/>
+                  <a:t>tabell</a:t>
+                </a:r>
+                <a:r>
+                  <a:rPr lang="en-GB" dirty="0"/>
+                  <a:t> </a:t>
+                </a:r>
+                <a:r>
+                  <a:rPr lang="en-GB" dirty="0" err="1"/>
+                  <a:t>må</a:t>
+                </a:r>
+                <a:r>
+                  <a:rPr lang="en-GB" dirty="0"/>
+                  <a:t> </a:t>
+                </a:r>
+                <a:r>
+                  <a:rPr lang="en-GB" dirty="0" err="1"/>
+                  <a:t>økes</a:t>
+                </a:r>
+                <a:endParaRPr lang="en-GB" dirty="0"/>
+              </a:p>
+              <a:p>
+                <a:r>
+                  <a:rPr lang="en-GB" dirty="0"/>
+                  <a:t>Load factor </a:t>
+                </a:r>
+                <a14:m>
+                  <m:oMath xmlns:m="http://schemas.openxmlformats.org/officeDocument/2006/math">
+                    <m:r>
+                      <a:rPr lang="en-GB" i="1" smtClean="0">
+                        <a:latin typeface="Cambria Math" panose="02040503050406030204" pitchFamily="18" charset="0"/>
+                        <a:ea typeface="Cambria Math" panose="02040503050406030204" pitchFamily="18" charset="0"/>
+                      </a:rPr>
+                      <m:t>𝜆</m:t>
+                    </m:r>
+                  </m:oMath>
+                </a14:m>
+                <a:r>
+                  <a:rPr lang="en-GB" dirty="0"/>
+                  <a:t>, </a:t>
+                </a:r>
+                <a:r>
+                  <a:rPr lang="en-GB" dirty="0" err="1"/>
+                  <a:t>angis</a:t>
+                </a:r>
+                <a:r>
+                  <a:rPr lang="en-GB" dirty="0"/>
+                  <a:t> i </a:t>
+                </a:r>
+                <a:r>
+                  <a:rPr lang="en-GB" dirty="0" err="1"/>
+                  <a:t>området</a:t>
+                </a:r>
+                <a:r>
+                  <a:rPr lang="en-GB" dirty="0"/>
+                  <a:t> [0,1] og </a:t>
+                </a:r>
+                <a:r>
+                  <a:rPr lang="en-GB" dirty="0" err="1"/>
+                  <a:t>regnes</a:t>
+                </a:r>
+                <a:r>
+                  <a:rPr lang="en-GB" dirty="0"/>
+                  <a:t> </a:t>
+                </a:r>
+                <a:r>
+                  <a:rPr lang="en-GB" dirty="0" err="1"/>
+                  <a:t>ut</a:t>
+                </a:r>
+                <a:r>
+                  <a:rPr lang="en-GB" dirty="0"/>
+                  <a:t> </a:t>
+                </a:r>
+                <a:r>
+                  <a:rPr lang="en-GB" dirty="0" err="1"/>
+                  <a:t>som</a:t>
+                </a:r>
+                <a:r>
+                  <a:rPr lang="en-GB" dirty="0"/>
+                  <a:t> </a:t>
+                </a:r>
+                <a14:m>
+                  <m:oMath xmlns:m="http://schemas.openxmlformats.org/officeDocument/2006/math">
+                    <m:f>
+                      <m:fPr>
+                        <m:ctrlPr>
+                          <a:rPr lang="en-GB" i="1" smtClean="0">
+                            <a:latin typeface="Cambria Math" panose="02040503050406030204" pitchFamily="18" charset="0"/>
+                          </a:rPr>
+                        </m:ctrlPr>
+                      </m:fPr>
+                      <m:num>
+                        <m:r>
+                          <a:rPr lang="nb-NO" b="0" i="1" smtClean="0">
+                            <a:latin typeface="Cambria Math" panose="02040503050406030204" pitchFamily="18" charset="0"/>
+                          </a:rPr>
+                          <m:t>𝑛</m:t>
+                        </m:r>
+                      </m:num>
+                      <m:den>
+                        <m:r>
+                          <a:rPr lang="nb-NO" b="0" i="1" smtClean="0">
+                            <a:latin typeface="Cambria Math" panose="02040503050406030204" pitchFamily="18" charset="0"/>
+                          </a:rPr>
+                          <m:t>𝑁</m:t>
+                        </m:r>
+                      </m:den>
+                    </m:f>
+                  </m:oMath>
+                </a14:m>
+                <a:r>
+                  <a:rPr lang="en-GB" dirty="0"/>
+                  <a:t>, der </a:t>
+                </a:r>
+                <a:r>
+                  <a:rPr lang="en-GB" dirty="0" err="1"/>
+                  <a:t>antall</a:t>
+                </a:r>
+                <a:r>
+                  <a:rPr lang="en-GB" dirty="0"/>
+                  <a:t> </a:t>
+                </a:r>
+                <a:r>
+                  <a:rPr lang="en-GB" dirty="0" err="1"/>
+                  <a:t>innslag</a:t>
+                </a:r>
+                <a:r>
+                  <a:rPr lang="en-GB" dirty="0"/>
+                  <a:t> i map og N er </a:t>
+                </a:r>
+                <a:r>
+                  <a:rPr lang="en-GB" dirty="0" err="1"/>
+                  <a:t>allokert</a:t>
+                </a:r>
+                <a:r>
+                  <a:rPr lang="en-GB" dirty="0"/>
+                  <a:t> </a:t>
+                </a:r>
+                <a:r>
+                  <a:rPr lang="en-GB" dirty="0" err="1"/>
+                  <a:t>størrelse</a:t>
+                </a:r>
+                <a:r>
+                  <a:rPr lang="en-GB" dirty="0"/>
+                  <a:t> </a:t>
+                </a:r>
+                <a:r>
+                  <a:rPr lang="en-GB" dirty="0" err="1"/>
+                  <a:t>på</a:t>
+                </a:r>
+                <a:r>
+                  <a:rPr lang="en-GB" dirty="0"/>
+                  <a:t> intern </a:t>
+                </a:r>
+                <a:r>
+                  <a:rPr lang="en-GB" dirty="0" err="1"/>
+                  <a:t>hashtabell</a:t>
+                </a:r>
+                <a:r>
+                  <a:rPr lang="en-GB" dirty="0"/>
+                  <a:t> .</a:t>
+                </a:r>
+              </a:p>
+              <a:p>
+                <a:pPr lvl="1"/>
+                <a:r>
+                  <a:rPr lang="en-GB" dirty="0"/>
+                  <a:t>Open addressing: </a:t>
+                </a:r>
+                <a14:m>
+                  <m:oMath xmlns:m="http://schemas.openxmlformats.org/officeDocument/2006/math">
+                    <m:r>
+                      <a:rPr lang="en-GB" i="1" smtClean="0">
+                        <a:latin typeface="Cambria Math" panose="02040503050406030204" pitchFamily="18" charset="0"/>
+                        <a:ea typeface="Cambria Math" panose="02040503050406030204" pitchFamily="18" charset="0"/>
+                      </a:rPr>
+                      <m:t>𝜆</m:t>
+                    </m:r>
+                    <m:r>
+                      <a:rPr lang="nb-NO" b="0" i="1" smtClean="0">
+                        <a:latin typeface="Cambria Math" panose="02040503050406030204" pitchFamily="18" charset="0"/>
+                        <a:ea typeface="Cambria Math" panose="02040503050406030204" pitchFamily="18" charset="0"/>
+                      </a:rPr>
+                      <m:t>&lt;0,5</m:t>
+                    </m:r>
+                  </m:oMath>
+                </a14:m>
+                <a:endParaRPr lang="en-GB" dirty="0"/>
+              </a:p>
+              <a:p>
+                <a:pPr lvl="1"/>
+                <a:r>
+                  <a:rPr lang="en-GB" dirty="0"/>
+                  <a:t>Separate chaining: </a:t>
+                </a:r>
+                <a14:m>
+                  <m:oMath xmlns:m="http://schemas.openxmlformats.org/officeDocument/2006/math">
+                    <m:r>
+                      <a:rPr lang="en-GB" i="1" smtClean="0">
+                        <a:latin typeface="Cambria Math" panose="02040503050406030204" pitchFamily="18" charset="0"/>
+                        <a:ea typeface="Cambria Math" panose="02040503050406030204" pitchFamily="18" charset="0"/>
+                      </a:rPr>
+                      <m:t>𝜆</m:t>
+                    </m:r>
+                    <m:r>
+                      <a:rPr lang="nb-NO" b="0" i="1" smtClean="0">
+                        <a:latin typeface="Cambria Math" panose="02040503050406030204" pitchFamily="18" charset="0"/>
+                        <a:ea typeface="Cambria Math" panose="02040503050406030204" pitchFamily="18" charset="0"/>
+                      </a:rPr>
+                      <m:t>&lt;0,9</m:t>
+                    </m:r>
+                  </m:oMath>
+                </a14:m>
+                <a:endParaRPr lang="en-GB" dirty="0"/>
+              </a:p>
+              <a:p>
+                <a:r>
+                  <a:rPr lang="en-GB" dirty="0" err="1"/>
+                  <a:t>Ved</a:t>
+                </a:r>
+                <a:r>
+                  <a:rPr lang="en-GB" dirty="0"/>
+                  <a:t> </a:t>
+                </a:r>
+                <a:r>
+                  <a:rPr lang="en-GB" dirty="0" err="1"/>
+                  <a:t>nytt</a:t>
+                </a:r>
+                <a:r>
+                  <a:rPr lang="en-GB" dirty="0"/>
+                  <a:t> </a:t>
+                </a:r>
+                <a:r>
+                  <a:rPr lang="en-GB" dirty="0" err="1"/>
+                  <a:t>innslag</a:t>
+                </a:r>
+                <a:r>
+                  <a:rPr lang="en-GB" dirty="0"/>
+                  <a:t> i </a:t>
+                </a:r>
+                <a:r>
+                  <a:rPr lang="en-GB" dirty="0" err="1"/>
+                  <a:t>tabell</a:t>
+                </a:r>
+                <a:r>
+                  <a:rPr lang="en-GB" dirty="0"/>
+                  <a:t>, </a:t>
+                </a:r>
+                <a:r>
+                  <a:rPr lang="en-GB" dirty="0" err="1"/>
+                  <a:t>sjekk</a:t>
+                </a:r>
+                <a:r>
+                  <a:rPr lang="en-GB" dirty="0"/>
+                  <a:t> om </a:t>
+                </a:r>
+                <a14:m>
+                  <m:oMath xmlns:m="http://schemas.openxmlformats.org/officeDocument/2006/math">
+                    <m:r>
+                      <a:rPr lang="en-GB" i="1" smtClean="0">
+                        <a:latin typeface="Cambria Math" panose="02040503050406030204" pitchFamily="18" charset="0"/>
+                        <a:ea typeface="Cambria Math" panose="02040503050406030204" pitchFamily="18" charset="0"/>
+                      </a:rPr>
+                      <m:t>𝜆</m:t>
+                    </m:r>
+                    <m:r>
+                      <a:rPr lang="nb-NO" b="0" i="0" smtClean="0">
+                        <a:latin typeface="Cambria Math" panose="02040503050406030204" pitchFamily="18" charset="0"/>
+                        <a:ea typeface="Cambria Math" panose="02040503050406030204" pitchFamily="18" charset="0"/>
+                      </a:rPr>
+                      <m:t>&gt;</m:t>
+                    </m:r>
+                    <m:r>
+                      <m:rPr>
+                        <m:sty m:val="p"/>
+                      </m:rPr>
+                      <a:rPr lang="el-GR" i="1" smtClean="0">
+                        <a:latin typeface="Cambria Math" panose="02040503050406030204" pitchFamily="18" charset="0"/>
+                        <a:ea typeface="Cambria Math" panose="02040503050406030204" pitchFamily="18" charset="0"/>
+                      </a:rPr>
+                      <m:t>Λ</m:t>
+                    </m:r>
+                    <m:r>
+                      <a:rPr lang="nb-NO" b="0" i="1" smtClean="0">
+                        <a:latin typeface="Cambria Math" panose="02040503050406030204" pitchFamily="18" charset="0"/>
+                        <a:ea typeface="Cambria Math" panose="02040503050406030204" pitchFamily="18" charset="0"/>
+                      </a:rPr>
+                      <m:t>,</m:t>
+                    </m:r>
+                  </m:oMath>
+                </a14:m>
+                <a:r>
+                  <a:rPr lang="en-GB" dirty="0"/>
+                  <a:t> der </a:t>
+                </a:r>
+                <a14:m>
+                  <m:oMath xmlns:m="http://schemas.openxmlformats.org/officeDocument/2006/math">
+                    <m:r>
+                      <m:rPr>
+                        <m:sty m:val="p"/>
+                      </m:rPr>
+                      <a:rPr lang="el-GR" i="1">
+                        <a:latin typeface="Cambria Math" panose="02040503050406030204" pitchFamily="18" charset="0"/>
+                        <a:ea typeface="Cambria Math" panose="02040503050406030204" pitchFamily="18" charset="0"/>
+                      </a:rPr>
+                      <m:t>Λ</m:t>
+                    </m:r>
+                  </m:oMath>
+                </a14:m>
+                <a:r>
+                  <a:rPr lang="en-GB" dirty="0"/>
+                  <a:t> er max(</a:t>
+                </a:r>
+                <a14:m>
+                  <m:oMath xmlns:m="http://schemas.openxmlformats.org/officeDocument/2006/math">
+                    <m:r>
+                      <a:rPr lang="en-GB" i="1">
+                        <a:latin typeface="Cambria Math" panose="02040503050406030204" pitchFamily="18" charset="0"/>
+                        <a:ea typeface="Cambria Math" panose="02040503050406030204" pitchFamily="18" charset="0"/>
+                      </a:rPr>
+                      <m:t>𝜆</m:t>
+                    </m:r>
+                  </m:oMath>
+                </a14:m>
+                <a:r>
+                  <a:rPr lang="en-GB" dirty="0"/>
+                  <a:t>) </a:t>
+                </a:r>
+                <a:r>
+                  <a:rPr lang="en-GB" dirty="0" err="1"/>
+                  <a:t>tillatt</a:t>
+                </a:r>
+                <a:endParaRPr lang="en-GB" dirty="0"/>
+              </a:p>
+              <a:p>
+                <a:pPr lvl="1"/>
+                <a:r>
+                  <a:rPr lang="en-GB" dirty="0" err="1"/>
+                  <a:t>Hvis</a:t>
+                </a:r>
+                <a:r>
+                  <a:rPr lang="en-GB" dirty="0"/>
+                  <a:t> </a:t>
+                </a:r>
+                <a:r>
+                  <a:rPr lang="en-GB" dirty="0" err="1"/>
+                  <a:t>så</a:t>
+                </a:r>
+                <a:r>
+                  <a:rPr lang="en-GB" dirty="0"/>
+                  <a:t>, rehash()!</a:t>
+                </a:r>
+              </a:p>
+              <a:p>
+                <a:pPr lvl="1"/>
+                <a:endParaRPr lang="nb-NO" dirty="0"/>
+              </a:p>
+            </p:txBody>
+          </p:sp>
+        </mc:Choice>
+        <mc:Fallback xmlns="">
+          <p:sp>
+            <p:nvSpPr>
+              <p:cNvPr id="3" name="Content Placeholder 2">
+                <a:extLst>
+                  <a:ext uri="{FF2B5EF4-FFF2-40B4-BE49-F238E27FC236}">
+                    <a16:creationId xmlns:a16="http://schemas.microsoft.com/office/drawing/2014/main" id="{88F95294-77FB-49FD-9AA9-B42F36ABFE41}"/>
+                  </a:ext>
+                </a:extLst>
+              </p:cNvPr>
+              <p:cNvSpPr>
+                <a:spLocks noGrp="1" noRot="1" noChangeAspect="1" noMove="1" noResize="1" noEditPoints="1" noAdjustHandles="1" noChangeArrowheads="1" noChangeShapeType="1" noTextEdit="1"/>
+              </p:cNvSpPr>
+              <p:nvPr>
+                <p:ph idx="1"/>
+              </p:nvPr>
+            </p:nvSpPr>
+            <p:spPr>
+              <a:blipFill>
+                <a:blip r:embed="rId2"/>
+                <a:stretch>
+                  <a:fillRect l="-928" t="-2101"/>
+                </a:stretch>
+              </a:blipFill>
+            </p:spPr>
+            <p:txBody>
+              <a:bodyPr/>
+              <a:lstStyle/>
+              <a:p>
+                <a:r>
+                  <a:rPr lang="en-GB">
+                    <a:noFill/>
+                  </a:rPr>
+                  <a:t> </a:t>
+                </a:r>
+              </a:p>
+            </p:txBody>
+          </p:sp>
+        </mc:Fallback>
+      </mc:AlternateContent>
+    </p:spTree>
+    <p:extLst>
+      <p:ext uri="{BB962C8B-B14F-4D97-AF65-F5344CB8AC3E}">
+        <p14:creationId xmlns:p14="http://schemas.microsoft.com/office/powerpoint/2010/main" val="2590693636"/>
+      </p:ext>
+    </p:extLst>
+  </p:cSld>
+  <p:clrMapOvr>
+    <a:masterClrMapping/>
+  </p:clrMapOvr>
+</p:sld>
+</file>
+
+<file path=ppt/slides/slide14.xml><?xml version="1.0" encoding="utf-8"?>
+<p:sld xmlns:a="http://schemas.openxmlformats.org/drawingml/2006/main" xmlns:r="http://schemas.openxmlformats.org/officeDocument/2006/relationships" xmlns:p="http://schemas.openxmlformats.org/presentationml/2006/main">
+  <p:cSld>
+    <p:spTree>
+      <p:nvGrpSpPr>
+        <p:cNvPr id="1" name=""/>
+        <p:cNvGrpSpPr/>
+        <p:nvPr/>
+      </p:nvGrpSpPr>
+      <p:grpSpPr>
+        <a:xfrm>
+          <a:off x="0" y="0"/>
+          <a:ext cx="0" cy="0"/>
+          <a:chOff x="0" y="0"/>
+          <a:chExt cx="0" cy="0"/>
+        </a:xfrm>
+      </p:grpSpPr>
+      <p:sp>
+        <p:nvSpPr>
+          <p:cNvPr id="2" name="Title 1">
+            <a:extLst>
+              <a:ext uri="{FF2B5EF4-FFF2-40B4-BE49-F238E27FC236}">
+                <a16:creationId xmlns:a16="http://schemas.microsoft.com/office/drawing/2014/main" id="{BFDF66D7-1670-4539-916D-BAB2D93A95A3}"/>
+              </a:ext>
+            </a:extLst>
+          </p:cNvPr>
+          <p:cNvSpPr>
+            <a:spLocks noGrp="1"/>
+          </p:cNvSpPr>
+          <p:nvPr>
+            <p:ph type="title"/>
+          </p:nvPr>
+        </p:nvSpPr>
+        <p:spPr/>
+        <p:txBody>
+          <a:bodyPr/>
+          <a:lstStyle/>
+          <a:p>
+            <a:r>
+              <a:rPr lang="en-GB" dirty="0"/>
+              <a:t>Rehashing</a:t>
+            </a:r>
+          </a:p>
+        </p:txBody>
+      </p:sp>
+      <p:sp>
+        <p:nvSpPr>
+          <p:cNvPr id="3" name="Content Placeholder 2">
+            <a:extLst>
+              <a:ext uri="{FF2B5EF4-FFF2-40B4-BE49-F238E27FC236}">
+                <a16:creationId xmlns:a16="http://schemas.microsoft.com/office/drawing/2014/main" id="{9D3AD078-43EE-41FD-8311-DF364579D982}"/>
               </a:ext>
             </a:extLst>
           </p:cNvPr>
@@ -3765,14 +5939,72 @@
           <a:bodyPr/>
           <a:lstStyle/>
           <a:p>
-            <a:endParaRPr lang="en-GB" dirty="0"/>
+            <a:r>
+              <a:rPr lang="nb-NO" dirty="0"/>
+              <a:t>Hvis grensa for </a:t>
+            </a:r>
+            <a:r>
+              <a:rPr lang="nb-NO" dirty="0" err="1"/>
+              <a:t>load</a:t>
+            </a:r>
+            <a:r>
+              <a:rPr lang="nb-NO" dirty="0"/>
+              <a:t> </a:t>
+            </a:r>
+            <a:r>
+              <a:rPr lang="nb-NO" dirty="0" err="1"/>
+              <a:t>factor</a:t>
+            </a:r>
+            <a:r>
+              <a:rPr lang="nb-NO" dirty="0"/>
+              <a:t> er nådd gjør følgende:</a:t>
+            </a:r>
+          </a:p>
+          <a:p>
+            <a:pPr marL="0" indent="0">
+              <a:buNone/>
+            </a:pPr>
+            <a:endParaRPr lang="nb-NO" dirty="0"/>
+          </a:p>
+          <a:p>
+            <a:pPr marL="514350" indent="-514350">
+              <a:buFont typeface="+mj-lt"/>
+              <a:buAutoNum type="arabicPeriod"/>
+            </a:pPr>
+            <a:r>
+              <a:rPr lang="nb-NO" dirty="0"/>
+              <a:t>Lag ny tabell som er dobbel så stor som forrige</a:t>
+            </a:r>
+          </a:p>
+          <a:p>
+            <a:pPr marL="514350" indent="-514350">
+              <a:buFont typeface="+mj-lt"/>
+              <a:buAutoNum type="arabicPeriod"/>
+            </a:pPr>
+            <a:r>
+              <a:rPr lang="nb-NO" dirty="0"/>
+              <a:t>Gå gjennom alle innslag i gammel tabell og gjør manuell innsetting  i ny tabell.</a:t>
+            </a:r>
+          </a:p>
+          <a:p>
+            <a:pPr marL="514350" indent="-514350">
+              <a:buFont typeface="+mj-lt"/>
+              <a:buAutoNum type="arabicPeriod"/>
+            </a:pPr>
+            <a:endParaRPr lang="nb-NO" dirty="0"/>
+          </a:p>
+          <a:p>
+            <a:r>
+              <a:rPr lang="nb-NO" dirty="0"/>
+              <a:t>Kostbar prosess, bør ikke skjer for ofte…</a:t>
+            </a:r>
           </a:p>
         </p:txBody>
       </p:sp>
     </p:spTree>
     <p:extLst>
       <p:ext uri="{BB962C8B-B14F-4D97-AF65-F5344CB8AC3E}">
-        <p14:creationId xmlns:p14="http://schemas.microsoft.com/office/powerpoint/2010/main" val="2956348666"/>
+        <p14:creationId xmlns:p14="http://schemas.microsoft.com/office/powerpoint/2010/main" val="2807269245"/>
       </p:ext>
     </p:extLst>
   </p:cSld>
@@ -5476,8 +7708,8 @@
           </a:p>
         </p:txBody>
       </p:sp>
-      <mc:AlternateContent xmlns:mc="http://schemas.openxmlformats.org/markup-compatibility/2006">
-        <mc:Choice xmlns:a14="http://schemas.microsoft.com/office/drawing/2010/main" Requires="a14">
+      <mc:AlternateContent xmlns:mc="http://schemas.openxmlformats.org/markup-compatibility/2006" xmlns:a14="http://schemas.microsoft.com/office/drawing/2010/main">
+        <mc:Choice Requires="a14">
           <p:sp>
             <p:nvSpPr>
               <p:cNvPr id="3" name="Content Placeholder 2">
@@ -5664,7 +7896,7 @@
             </p:txBody>
           </p:sp>
         </mc:Choice>
-        <mc:Fallback>
+        <mc:Fallback xmlns="">
           <p:sp>
             <p:nvSpPr>
               <p:cNvPr id="3" name="Content Placeholder 2">
@@ -6908,8 +9140,8 @@
           </a:p>
         </p:txBody>
       </p:sp>
-      <mc:AlternateContent xmlns:mc="http://schemas.openxmlformats.org/markup-compatibility/2006">
-        <mc:Choice xmlns:a14="http://schemas.microsoft.com/office/drawing/2010/main" Requires="a14">
+      <mc:AlternateContent xmlns:mc="http://schemas.openxmlformats.org/markup-compatibility/2006" xmlns:a14="http://schemas.microsoft.com/office/drawing/2010/main">
+        <mc:Choice Requires="a14">
           <p:sp>
             <p:nvSpPr>
               <p:cNvPr id="3" name="Content Placeholder 2">
@@ -7303,7 +9535,7 @@
             </p:txBody>
           </p:sp>
         </mc:Choice>
-        <mc:Fallback>
+        <mc:Fallback xmlns="">
           <p:sp>
             <p:nvSpPr>
               <p:cNvPr id="3" name="Content Placeholder 2">
@@ -7449,8 +9681,8 @@
           </a:fontRef>
         </p:style>
       </p:cxnSp>
-      <mc:AlternateContent xmlns:mc="http://schemas.openxmlformats.org/markup-compatibility/2006">
-        <mc:Choice xmlns:a14="http://schemas.microsoft.com/office/drawing/2010/main" Requires="a14">
+      <mc:AlternateContent xmlns:mc="http://schemas.openxmlformats.org/markup-compatibility/2006" xmlns:a14="http://schemas.microsoft.com/office/drawing/2010/main">
+        <mc:Choice Requires="a14">
           <p:sp>
             <p:nvSpPr>
               <p:cNvPr id="19" name="TextBox 18">
@@ -7535,7 +9767,7 @@
             </p:txBody>
           </p:sp>
         </mc:Choice>
-        <mc:Fallback>
+        <mc:Fallback xmlns="">
           <p:sp>
             <p:nvSpPr>
               <p:cNvPr id="19" name="TextBox 18">
@@ -7580,8 +9812,8 @@
           </p:sp>
         </mc:Fallback>
       </mc:AlternateContent>
-      <mc:AlternateContent xmlns:mc="http://schemas.openxmlformats.org/markup-compatibility/2006">
-        <mc:Choice xmlns:a14="http://schemas.microsoft.com/office/drawing/2010/main" Requires="a14">
+      <mc:AlternateContent xmlns:mc="http://schemas.openxmlformats.org/markup-compatibility/2006" xmlns:a14="http://schemas.microsoft.com/office/drawing/2010/main">
+        <mc:Choice Requires="a14">
           <p:sp>
             <p:nvSpPr>
               <p:cNvPr id="22" name="TextBox 21">
@@ -7661,7 +9893,7 @@
             </p:txBody>
           </p:sp>
         </mc:Choice>
-        <mc:Fallback>
+        <mc:Fallback xmlns="">
           <p:sp>
             <p:nvSpPr>
               <p:cNvPr id="22" name="TextBox 21">
@@ -7880,8 +10112,8 @@
           </a:p>
         </p:txBody>
       </p:sp>
-      <mc:AlternateContent xmlns:mc="http://schemas.openxmlformats.org/markup-compatibility/2006">
-        <mc:Choice xmlns:a14="http://schemas.microsoft.com/office/drawing/2010/main" Requires="a14">
+      <mc:AlternateContent xmlns:mc="http://schemas.openxmlformats.org/markup-compatibility/2006" xmlns:a14="http://schemas.microsoft.com/office/drawing/2010/main">
+        <mc:Choice Requires="a14">
           <p:sp>
             <p:nvSpPr>
               <p:cNvPr id="3" name="Content Placeholder 2">
@@ -7987,7 +10219,7 @@
             </p:txBody>
           </p:sp>
         </mc:Choice>
-        <mc:Fallback>
+        <mc:Fallback xmlns="">
           <p:sp>
             <p:nvSpPr>
               <p:cNvPr id="3" name="Content Placeholder 2">
